--- a/materials/slides/ch05-angular-router.pptx
+++ b/materials/slides/ch05-angular-router.pptx
@@ -5,7 +5,7 @@
     <p:sldMasterId id="2147483765" r:id="rId1"/>
   </p:sldMasterIdLst>
   <p:notesMasterIdLst>
-    <p:notesMasterId r:id="rId15"/>
+    <p:notesMasterId r:id="rId17"/>
   </p:notesMasterIdLst>
   <p:sldIdLst>
     <p:sldId id="773" r:id="rId2"/>
@@ -16,11 +16,13 @@
     <p:sldId id="937" r:id="rId7"/>
     <p:sldId id="936" r:id="rId8"/>
     <p:sldId id="938" r:id="rId9"/>
-    <p:sldId id="939" r:id="rId10"/>
-    <p:sldId id="940" r:id="rId11"/>
-    <p:sldId id="941" r:id="rId12"/>
-    <p:sldId id="942" r:id="rId13"/>
-    <p:sldId id="794" r:id="rId14"/>
+    <p:sldId id="944" r:id="rId10"/>
+    <p:sldId id="939" r:id="rId11"/>
+    <p:sldId id="943" r:id="rId12"/>
+    <p:sldId id="945" r:id="rId13"/>
+    <p:sldId id="941" r:id="rId14"/>
+    <p:sldId id="942" r:id="rId15"/>
+    <p:sldId id="794" r:id="rId16"/>
   </p:sldIdLst>
   <p:sldSz cx="12192000" cy="6858000"/>
   <p:notesSz cx="6797675" cy="9928225"/>
@@ -1332,7 +1334,7 @@
                 <a:ea typeface="宋体" panose="02010600030101010101" pitchFamily="2" charset="-122"/>
               </a:rPr>
               <a:pPr/>
-              <a:t>9</a:t>
+              <a:t>10</a:t>
             </a:fld>
             <a:endParaRPr lang="zh-CN" altLang="zh-CN">
               <a:ea typeface="宋体" panose="02010600030101010101" pitchFamily="2" charset="-122"/>
@@ -1566,7 +1568,7 @@
                 <a:ea typeface="宋体" panose="02010600030101010101" pitchFamily="2" charset="-122"/>
               </a:rPr>
               <a:pPr/>
-              <a:t>11</a:t>
+              <a:t>13</a:t>
             </a:fld>
             <a:endParaRPr lang="zh-CN" altLang="zh-CN">
               <a:ea typeface="宋体" panose="02010600030101010101" pitchFamily="2" charset="-122"/>
@@ -3050,335 +3052,6 @@
       </p:grpSpPr>
       <p:sp>
         <p:nvSpPr>
-          <p:cNvPr id="30722" name="内容占位符 3"/>
-          <p:cNvSpPr>
-            <a:spLocks noGrp="1"/>
-          </p:cNvSpPr>
-          <p:nvPr>
-            <p:ph sz="quarter" idx="10"/>
-          </p:nvPr>
-        </p:nvSpPr>
-        <p:spPr bwMode="auto">
-          <a:xfrm>
-            <a:off x="693526" y="980480"/>
-            <a:ext cx="10157038" cy="4897642"/>
-          </a:xfrm>
-          <a:solidFill>
-            <a:schemeClr val="bg1"/>
-          </a:solidFill>
-          <a:extLst/>
-        </p:spPr>
-        <p:txBody>
-          <a:bodyPr vert="horz" wrap="square" lIns="91440" tIns="45720" rIns="91440" bIns="45720" numCol="1" anchor="t" anchorCtr="0" compatLnSpc="1">
-            <a:prstTxWarp prst="textNoShape">
-              <a:avLst/>
-            </a:prstTxWarp>
-          </a:bodyPr>
-          <a:lstStyle/>
-          <a:p>
-            <a:pPr marL="360000"/>
-            <a:r>
-              <a:rPr lang="zh-CN" altLang="en-US" dirty="0" smtClean="0"/>
-              <a:t> </a:t>
-            </a:r>
-            <a:r>
-              <a:rPr lang="zh-CN" altLang="en-US" dirty="0" smtClean="0"/>
-              <a:t>动态路由</a:t>
-            </a:r>
-            <a:endParaRPr lang="en-US" altLang="zh-CN" dirty="0" smtClean="0"/>
-          </a:p>
-          <a:p>
-            <a:pPr marL="591775" lvl="1"/>
-            <a:r>
-              <a:rPr lang="zh-CN" altLang="en-US" dirty="0" smtClean="0"/>
-              <a:t> </a:t>
-            </a:r>
-            <a:r>
-              <a:rPr lang="en-US" altLang="zh-CN" dirty="0" err="1"/>
-              <a:t>RouterModule.forRoot</a:t>
-            </a:r>
-            <a:r>
-              <a:rPr lang="en-US" altLang="zh-CN" dirty="0"/>
-              <a:t>( [</a:t>
-            </a:r>
-          </a:p>
-          <a:p>
-            <a:pPr marL="361587" lvl="1" indent="0">
-              <a:buNone/>
-            </a:pPr>
-            <a:r>
-              <a:rPr lang="en-US" altLang="zh-CN" dirty="0"/>
-              <a:t>       	{ path: </a:t>
-            </a:r>
-            <a:r>
-              <a:rPr lang="en-US" altLang="zh-CN" dirty="0" smtClean="0"/>
-              <a:t>“</a:t>
-            </a:r>
-            <a:r>
-              <a:rPr lang="en-US" altLang="zh-CN" dirty="0" smtClean="0">
-                <a:solidFill>
-                  <a:srgbClr val="FF0000"/>
-                </a:solidFill>
-              </a:rPr>
-              <a:t>home</a:t>
-            </a:r>
-            <a:r>
-              <a:rPr lang="zh-CN" altLang="en-US" dirty="0" smtClean="0">
-                <a:solidFill>
-                  <a:srgbClr val="FF0000"/>
-                </a:solidFill>
-              </a:rPr>
-              <a:t>：</a:t>
-            </a:r>
-            <a:r>
-              <a:rPr lang="en-US" altLang="zh-CN" dirty="0" smtClean="0">
-                <a:solidFill>
-                  <a:srgbClr val="FF0000"/>
-                </a:solidFill>
-              </a:rPr>
-              <a:t>id</a:t>
-            </a:r>
-            <a:r>
-              <a:rPr lang="en-US" altLang="zh-CN" dirty="0" smtClean="0"/>
-              <a:t>”, </a:t>
-            </a:r>
-            <a:r>
-              <a:rPr lang="en-US" altLang="zh-CN" dirty="0"/>
-              <a:t>component:“</a:t>
-            </a:r>
-            <a:r>
-              <a:rPr lang="zh-CN" altLang="en-US" dirty="0"/>
-              <a:t>组件名</a:t>
-            </a:r>
-            <a:r>
-              <a:rPr lang="en-US" altLang="zh-CN" dirty="0"/>
-              <a:t>”}</a:t>
-            </a:r>
-          </a:p>
-          <a:p>
-            <a:pPr marL="361587" lvl="1" indent="0">
-              <a:buNone/>
-            </a:pPr>
-            <a:r>
-              <a:rPr lang="en-US" altLang="zh-CN" dirty="0"/>
-              <a:t>    ] ) </a:t>
-            </a:r>
-          </a:p>
-          <a:p>
-            <a:pPr marL="591775" lvl="1"/>
-            <a:r>
-              <a:rPr lang="en-US" altLang="zh-CN" sz="2400" dirty="0" smtClean="0"/>
-              <a:t> </a:t>
-            </a:r>
-            <a:r>
-              <a:rPr lang="zh-CN" altLang="en-US" sz="2400" dirty="0" smtClean="0"/>
-              <a:t>引入 </a:t>
-            </a:r>
-            <a:r>
-              <a:rPr lang="en-US" altLang="zh-CN" dirty="0" err="1" smtClean="0"/>
-              <a:t>ActivatedRoute</a:t>
-            </a:r>
-            <a:r>
-              <a:rPr lang="en-US" altLang="zh-CN" dirty="0" smtClean="0"/>
-              <a:t> </a:t>
-            </a:r>
-            <a:r>
-              <a:rPr lang="zh-CN" altLang="en-US" dirty="0" smtClean="0"/>
-              <a:t>模块</a:t>
-            </a:r>
-            <a:endParaRPr lang="en-US" altLang="zh-CN" dirty="0" smtClean="0"/>
-          </a:p>
-          <a:p>
-            <a:pPr marL="593362" lvl="2"/>
-            <a:r>
-              <a:rPr lang="en-US" altLang="zh-CN" sz="2200" dirty="0"/>
-              <a:t> </a:t>
-            </a:r>
-            <a:r>
-              <a:rPr lang="en-US" altLang="zh-CN" dirty="0"/>
-              <a:t>import { </a:t>
-            </a:r>
-            <a:r>
-              <a:rPr lang="en-US" altLang="zh-CN" dirty="0" err="1">
-                <a:solidFill>
-                  <a:srgbClr val="FF0000"/>
-                </a:solidFill>
-              </a:rPr>
-              <a:t>ActivatedRoute</a:t>
-            </a:r>
-            <a:r>
-              <a:rPr lang="en-US" altLang="zh-CN" dirty="0">
-                <a:solidFill>
-                  <a:srgbClr val="FF0000"/>
-                </a:solidFill>
-              </a:rPr>
-              <a:t> </a:t>
-            </a:r>
-            <a:r>
-              <a:rPr lang="en-US" altLang="zh-CN" dirty="0"/>
-              <a:t>} from '@angular/router';</a:t>
-            </a:r>
-          </a:p>
-          <a:p>
-            <a:pPr marL="593362" lvl="2"/>
-            <a:r>
-              <a:rPr lang="en-US" altLang="zh-CN" sz="2200" dirty="0" smtClean="0"/>
-              <a:t> </a:t>
-            </a:r>
-            <a:r>
-              <a:rPr lang="en-US" altLang="zh-CN" dirty="0" smtClean="0"/>
-              <a:t>constructor</a:t>
-            </a:r>
-            <a:r>
-              <a:rPr lang="zh-CN" altLang="en-US" dirty="0" smtClean="0"/>
-              <a:t>（</a:t>
-            </a:r>
-            <a:r>
-              <a:rPr lang="en-US" altLang="zh-CN" dirty="0"/>
-              <a:t>private route: </a:t>
-            </a:r>
-            <a:r>
-              <a:rPr lang="en-US" altLang="zh-CN" dirty="0" err="1"/>
-              <a:t>ActivatedRoute</a:t>
-            </a:r>
-            <a:r>
-              <a:rPr lang="zh-CN" altLang="en-US" dirty="0" smtClean="0"/>
-              <a:t>）</a:t>
-            </a:r>
-            <a:r>
-              <a:rPr lang="en-US" altLang="zh-CN" dirty="0" smtClean="0"/>
-              <a:t>{ }</a:t>
-            </a:r>
-          </a:p>
-          <a:p>
-            <a:pPr marL="593362" lvl="2"/>
-            <a:r>
-              <a:rPr lang="en-US" altLang="zh-CN" sz="2200" dirty="0"/>
-              <a:t> </a:t>
-            </a:r>
-            <a:r>
-              <a:rPr lang="en-US" altLang="zh-CN" dirty="0" err="1" smtClean="0"/>
-              <a:t>this.route.params.subscribe</a:t>
-            </a:r>
-            <a:r>
-              <a:rPr lang="zh-CN" altLang="en-US" dirty="0" smtClean="0"/>
-              <a:t>（</a:t>
-            </a:r>
-            <a:r>
-              <a:rPr lang="en-US" altLang="zh-CN" dirty="0" smtClean="0"/>
-              <a:t>function( data ){ }</a:t>
-            </a:r>
-            <a:r>
-              <a:rPr lang="zh-CN" altLang="en-US" dirty="0" smtClean="0"/>
-              <a:t>）</a:t>
-            </a:r>
-            <a:endParaRPr lang="en-US" altLang="zh-CN" dirty="0"/>
-          </a:p>
-          <a:p>
-            <a:pPr marL="593362" lvl="2"/>
-            <a:endParaRPr lang="en-US" altLang="zh-CN" sz="2200" dirty="0" smtClean="0"/>
-          </a:p>
-        </p:txBody>
-      </p:sp>
-      <p:sp>
-        <p:nvSpPr>
-          <p:cNvPr id="25603" name="内容占位符 4"/>
-          <p:cNvSpPr>
-            <a:spLocks noGrp="1"/>
-          </p:cNvSpPr>
-          <p:nvPr>
-            <p:ph sz="quarter" idx="11"/>
-          </p:nvPr>
-        </p:nvSpPr>
-        <p:spPr bwMode="auto">
-          <a:xfrm>
-            <a:off x="909638" y="236538"/>
-            <a:ext cx="7575550" cy="490537"/>
-          </a:xfrm>
-          <a:extLst>
-            <a:ext uri="{909E8E84-426E-40DD-AFC4-6F175D3DCCD1}">
-              <a14:hiddenFill xmlns:a14="http://schemas.microsoft.com/office/drawing/2010/main">
-                <a:solidFill>
-                  <a:srgbClr val="FFFFFF"/>
-                </a:solidFill>
-              </a14:hiddenFill>
-            </a:ext>
-            <a:ext uri="{91240B29-F687-4F45-9708-019B960494DF}">
-              <a14:hiddenLine xmlns:a14="http://schemas.microsoft.com/office/drawing/2010/main" w="9525">
-                <a:solidFill>
-                  <a:srgbClr val="000000"/>
-                </a:solidFill>
-                <a:miter lim="800000"/>
-                <a:headEnd/>
-                <a:tailEnd/>
-              </a14:hiddenLine>
-            </a:ext>
-          </a:extLst>
-        </p:spPr>
-        <p:txBody>
-          <a:bodyPr vert="horz" wrap="square" lIns="91440" tIns="45720" rIns="91440" bIns="45720" numCol="1" anchor="t" anchorCtr="0" compatLnSpc="1">
-            <a:prstTxWarp prst="textNoShape">
-              <a:avLst/>
-            </a:prstTxWarp>
-          </a:bodyPr>
-          <a:lstStyle/>
-          <a:p>
-            <a:pPr>
-              <a:defRPr/>
-            </a:pPr>
-            <a:r>
-              <a:rPr lang="zh-CN" altLang="en-US" dirty="0" smtClean="0">
-                <a:latin typeface="+mn-ea"/>
-                <a:ea typeface="+mn-ea"/>
-              </a:rPr>
-              <a:t>动态路由</a:t>
-            </a:r>
-            <a:endParaRPr lang="zh-CN" altLang="en-US" dirty="0" smtClean="0">
-              <a:latin typeface="+mn-ea"/>
-              <a:ea typeface="+mn-ea"/>
-            </a:endParaRPr>
-          </a:p>
-        </p:txBody>
-      </p:sp>
-    </p:spTree>
-    <p:extLst>
-      <p:ext uri="{BB962C8B-B14F-4D97-AF65-F5344CB8AC3E}">
-        <p14:creationId xmlns:p14="http://schemas.microsoft.com/office/powerpoint/2010/main" val="3096020147"/>
-      </p:ext>
-    </p:extLst>
-  </p:cSld>
-  <p:clrMapOvr>
-    <a:masterClrMapping/>
-  </p:clrMapOvr>
-  <p:timing>
-    <p:tnLst>
-      <p:par>
-        <p:cTn id="1" dur="indefinite" restart="never" nodeType="tmRoot"/>
-      </p:par>
-    </p:tnLst>
-  </p:timing>
-</p:sld>
-</file>
-
-<file path=ppt/slides/slide11.xml><?xml version="1.0" encoding="utf-8"?>
-<p:sld xmlns:a="http://schemas.openxmlformats.org/drawingml/2006/main" xmlns:r="http://schemas.openxmlformats.org/officeDocument/2006/relationships" xmlns:p="http://schemas.openxmlformats.org/presentationml/2006/main">
-  <p:cSld>
-    <p:spTree>
-      <p:nvGrpSpPr>
-        <p:cNvPr id="1" name=""/>
-        <p:cNvGrpSpPr/>
-        <p:nvPr/>
-      </p:nvGrpSpPr>
-      <p:grpSpPr>
-        <a:xfrm>
-          <a:off x="0" y="0"/>
-          <a:ext cx="0" cy="0"/>
-          <a:chOff x="0" y="0"/>
-          <a:chExt cx="0" cy="0"/>
-        </a:xfrm>
-      </p:grpSpPr>
-      <p:sp>
-        <p:nvSpPr>
           <p:cNvPr id="21506" name="矩形 2"/>
           <p:cNvSpPr>
             <a:spLocks noChangeArrowheads="1"/>
@@ -3754,14 +3427,10 @@
               <a:buChar char="Ø"/>
             </a:pPr>
             <a:r>
-              <a:rPr lang="zh-CN" altLang="en-US" sz="2800" b="1" dirty="0" smtClean="0">
-                <a:latin typeface="+mj-ea"/>
-                <a:ea typeface="+mj-ea"/>
-              </a:rPr>
-              <a:t>路由</a:t>
-            </a:r>
-            <a:r>
               <a:rPr lang="en-US" altLang="zh-CN" sz="2800" b="1" dirty="0" smtClean="0">
+                <a:solidFill>
+                  <a:srgbClr val="C00000"/>
+                </a:solidFill>
                 <a:latin typeface="+mj-ea"/>
                 <a:ea typeface="+mj-ea"/>
               </a:rPr>
@@ -3769,12 +3438,18 @@
             </a:r>
             <a:r>
               <a:rPr lang="zh-CN" altLang="en-US" sz="2800" b="1" dirty="0" smtClean="0">
+                <a:solidFill>
+                  <a:srgbClr val="C00000"/>
+                </a:solidFill>
                 <a:latin typeface="+mj-ea"/>
                 <a:ea typeface="+mj-ea"/>
               </a:rPr>
               <a:t>跳转</a:t>
             </a:r>
             <a:endParaRPr lang="en-US" altLang="zh-CN" sz="2800" b="1" dirty="0" smtClean="0">
+              <a:solidFill>
+                <a:srgbClr val="C00000"/>
+              </a:solidFill>
               <a:latin typeface="+mj-ea"/>
               <a:ea typeface="+mj-ea"/>
             </a:endParaRPr>
@@ -3792,18 +3467,12 @@
             </a:pPr>
             <a:r>
               <a:rPr lang="zh-CN" altLang="en-US" sz="2800" b="1" dirty="0" smtClean="0">
-                <a:solidFill>
-                  <a:srgbClr val="C00000"/>
-                </a:solidFill>
                 <a:latin typeface="+mj-ea"/>
                 <a:ea typeface="+mj-ea"/>
               </a:rPr>
               <a:t>父子路由</a:t>
             </a:r>
             <a:endParaRPr lang="en-US" altLang="zh-CN" sz="2800" b="1" dirty="0">
-              <a:solidFill>
-                <a:srgbClr val="C00000"/>
-              </a:solidFill>
               <a:latin typeface="+mj-ea"/>
               <a:ea typeface="+mj-ea"/>
             </a:endParaRPr>
@@ -3813,7 +3482,7 @@
     </p:spTree>
     <p:extLst>
       <p:ext uri="{BB962C8B-B14F-4D97-AF65-F5344CB8AC3E}">
-        <p14:creationId xmlns:p14="http://schemas.microsoft.com/office/powerpoint/2010/main" val="2027227905"/>
+        <p14:creationId xmlns:p14="http://schemas.microsoft.com/office/powerpoint/2010/main" val="2432549178"/>
       </p:ext>
     </p:extLst>
   </p:cSld>
@@ -3825,6 +3494,978 @@
     <p:tnLst>
       <p:par>
         <p:cTn id="1" dur="indefinite" restart="never" nodeType="tmRoot"/>
+      </p:par>
+    </p:tnLst>
+  </p:timing>
+</p:sld>
+</file>
+
+<file path=ppt/slides/slide11.xml><?xml version="1.0" encoding="utf-8"?>
+<p:sld xmlns:a="http://schemas.openxmlformats.org/drawingml/2006/main" xmlns:r="http://schemas.openxmlformats.org/officeDocument/2006/relationships" xmlns:p="http://schemas.openxmlformats.org/presentationml/2006/main">
+  <p:cSld>
+    <p:spTree>
+      <p:nvGrpSpPr>
+        <p:cNvPr id="1" name=""/>
+        <p:cNvGrpSpPr/>
+        <p:nvPr/>
+      </p:nvGrpSpPr>
+      <p:grpSpPr>
+        <a:xfrm>
+          <a:off x="0" y="0"/>
+          <a:ext cx="0" cy="0"/>
+          <a:chOff x="0" y="0"/>
+          <a:chExt cx="0" cy="0"/>
+        </a:xfrm>
+      </p:grpSpPr>
+      <p:sp>
+        <p:nvSpPr>
+          <p:cNvPr id="30722" name="内容占位符 3"/>
+          <p:cNvSpPr>
+            <a:spLocks noGrp="1"/>
+          </p:cNvSpPr>
+          <p:nvPr>
+            <p:ph sz="quarter" idx="10"/>
+          </p:nvPr>
+        </p:nvSpPr>
+        <p:spPr bwMode="auto">
+          <a:xfrm>
+            <a:off x="693526" y="980480"/>
+            <a:ext cx="10157038" cy="4897642"/>
+          </a:xfrm>
+          <a:solidFill>
+            <a:schemeClr val="bg1"/>
+          </a:solidFill>
+          <a:extLst/>
+        </p:spPr>
+        <p:txBody>
+          <a:bodyPr vert="horz" wrap="square" lIns="91440" tIns="45720" rIns="91440" bIns="45720" numCol="1" anchor="t" anchorCtr="0" compatLnSpc="1">
+            <a:prstTxWarp prst="textNoShape">
+              <a:avLst/>
+            </a:prstTxWarp>
+          </a:bodyPr>
+          <a:lstStyle/>
+          <a:p>
+            <a:pPr marL="360000"/>
+            <a:r>
+              <a:rPr lang="zh-CN" altLang="en-US" sz="2800" dirty="0" smtClean="0"/>
+              <a:t> </a:t>
+            </a:r>
+            <a:r>
+              <a:rPr lang="en-US" altLang="zh-CN" sz="2800" dirty="0" smtClean="0"/>
+              <a:t>JS</a:t>
+            </a:r>
+            <a:r>
+              <a:rPr lang="zh-CN" altLang="en-US" sz="2800" dirty="0" smtClean="0"/>
+              <a:t>跳转</a:t>
+            </a:r>
+            <a:endParaRPr lang="en-US" altLang="zh-CN" sz="2800" dirty="0" smtClean="0"/>
+          </a:p>
+          <a:p>
+            <a:pPr marL="591775" lvl="1"/>
+            <a:r>
+              <a:rPr lang="en-US" altLang="zh-CN" dirty="0" smtClean="0"/>
+              <a:t> </a:t>
+            </a:r>
+            <a:r>
+              <a:rPr lang="zh-CN" altLang="en-US" dirty="0" smtClean="0"/>
+              <a:t>引入 </a:t>
+            </a:r>
+            <a:r>
+              <a:rPr lang="en-US" altLang="zh-CN" dirty="0" smtClean="0"/>
+              <a:t>Router </a:t>
+            </a:r>
+            <a:r>
+              <a:rPr lang="zh-CN" altLang="en-US" dirty="0" smtClean="0"/>
+              <a:t>模块</a:t>
+            </a:r>
+            <a:r>
+              <a:rPr lang="en-US" altLang="zh-CN" dirty="0" smtClean="0"/>
+              <a:t> </a:t>
+            </a:r>
+          </a:p>
+          <a:p>
+            <a:pPr marL="593362" lvl="2"/>
+            <a:r>
+              <a:rPr lang="en-US" altLang="zh-CN" dirty="0" smtClean="0"/>
+              <a:t> import </a:t>
+            </a:r>
+            <a:r>
+              <a:rPr lang="en-US" altLang="zh-CN" dirty="0"/>
+              <a:t>{ Router } from '@angular/router';</a:t>
+            </a:r>
+            <a:r>
+              <a:rPr lang="en-US" altLang="zh-CN" dirty="0" smtClean="0"/>
+              <a:t> </a:t>
+            </a:r>
+            <a:endParaRPr lang="en-US" altLang="zh-CN" sz="2200" dirty="0" smtClean="0"/>
+          </a:p>
+          <a:p>
+            <a:pPr marL="591775" lvl="1"/>
+            <a:r>
+              <a:rPr lang="en-US" altLang="zh-CN" dirty="0" smtClean="0"/>
+              <a:t> </a:t>
+            </a:r>
+            <a:r>
+              <a:rPr lang="zh-CN" altLang="en-US" dirty="0" smtClean="0"/>
+              <a:t>构造函数中声明</a:t>
+            </a:r>
+            <a:endParaRPr lang="en-US" altLang="zh-CN" dirty="0" smtClean="0"/>
+          </a:p>
+          <a:p>
+            <a:pPr marL="593362" lvl="2"/>
+            <a:r>
+              <a:rPr lang="en-US" altLang="zh-CN" dirty="0"/>
+              <a:t> </a:t>
+            </a:r>
+            <a:r>
+              <a:rPr lang="en-US" altLang="zh-CN" dirty="0" smtClean="0"/>
+              <a:t>constructor</a:t>
+            </a:r>
+            <a:r>
+              <a:rPr lang="zh-CN" altLang="en-US" dirty="0" smtClean="0"/>
+              <a:t>（</a:t>
+            </a:r>
+            <a:r>
+              <a:rPr lang="en-US" altLang="zh-CN" dirty="0" smtClean="0"/>
+              <a:t>public _router</a:t>
+            </a:r>
+            <a:r>
+              <a:rPr lang="zh-CN" altLang="en-US" dirty="0" smtClean="0"/>
+              <a:t>：</a:t>
+            </a:r>
+            <a:r>
+              <a:rPr lang="en-US" altLang="zh-CN" dirty="0" smtClean="0"/>
+              <a:t>Router</a:t>
+            </a:r>
+            <a:r>
+              <a:rPr lang="zh-CN" altLang="en-US" dirty="0" smtClean="0"/>
+              <a:t>）</a:t>
+            </a:r>
+            <a:r>
+              <a:rPr lang="en-US" altLang="zh-CN" dirty="0" smtClean="0"/>
+              <a:t>{  }</a:t>
+            </a:r>
+          </a:p>
+          <a:p>
+            <a:pPr marL="591775" lvl="1"/>
+            <a:r>
+              <a:rPr lang="en-US" altLang="zh-CN" dirty="0"/>
+              <a:t> </a:t>
+            </a:r>
+            <a:r>
+              <a:rPr lang="zh-CN" altLang="en-US" dirty="0" smtClean="0"/>
+              <a:t>调用 </a:t>
+            </a:r>
+            <a:r>
+              <a:rPr lang="en-US" altLang="zh-CN" dirty="0" err="1" smtClean="0"/>
+              <a:t>Router.navigate</a:t>
+            </a:r>
+            <a:r>
+              <a:rPr lang="en-US" altLang="zh-CN" dirty="0" smtClean="0"/>
+              <a:t> (  ) </a:t>
+            </a:r>
+            <a:r>
+              <a:rPr lang="zh-CN" altLang="en-US" dirty="0" smtClean="0"/>
+              <a:t>方法</a:t>
+            </a:r>
+            <a:endParaRPr lang="en-US" altLang="zh-CN" dirty="0"/>
+          </a:p>
+          <a:p>
+            <a:pPr marL="593362" lvl="2"/>
+            <a:endParaRPr lang="en-US" altLang="zh-CN" sz="2200" dirty="0" smtClean="0"/>
+          </a:p>
+        </p:txBody>
+      </p:sp>
+      <p:sp>
+        <p:nvSpPr>
+          <p:cNvPr id="25603" name="内容占位符 4"/>
+          <p:cNvSpPr>
+            <a:spLocks noGrp="1"/>
+          </p:cNvSpPr>
+          <p:nvPr>
+            <p:ph sz="quarter" idx="11"/>
+          </p:nvPr>
+        </p:nvSpPr>
+        <p:spPr bwMode="auto">
+          <a:xfrm>
+            <a:off x="909638" y="236538"/>
+            <a:ext cx="7575550" cy="490537"/>
+          </a:xfrm>
+          <a:extLst>
+            <a:ext uri="{909E8E84-426E-40DD-AFC4-6F175D3DCCD1}">
+              <a14:hiddenFill xmlns:a14="http://schemas.microsoft.com/office/drawing/2010/main">
+                <a:solidFill>
+                  <a:srgbClr val="FFFFFF"/>
+                </a:solidFill>
+              </a14:hiddenFill>
+            </a:ext>
+            <a:ext uri="{91240B29-F687-4F45-9708-019B960494DF}">
+              <a14:hiddenLine xmlns:a14="http://schemas.microsoft.com/office/drawing/2010/main" w="9525">
+                <a:solidFill>
+                  <a:srgbClr val="000000"/>
+                </a:solidFill>
+                <a:miter lim="800000"/>
+                <a:headEnd/>
+                <a:tailEnd/>
+              </a14:hiddenLine>
+            </a:ext>
+          </a:extLst>
+        </p:spPr>
+        <p:txBody>
+          <a:bodyPr vert="horz" wrap="square" lIns="91440" tIns="45720" rIns="91440" bIns="45720" numCol="1" anchor="t" anchorCtr="0" compatLnSpc="1">
+            <a:prstTxWarp prst="textNoShape">
+              <a:avLst/>
+            </a:prstTxWarp>
+          </a:bodyPr>
+          <a:lstStyle/>
+          <a:p>
+            <a:pPr>
+              <a:defRPr/>
+            </a:pPr>
+            <a:r>
+              <a:rPr lang="en-US" altLang="zh-CN" dirty="0" smtClean="0">
+                <a:latin typeface="+mn-ea"/>
+                <a:ea typeface="+mn-ea"/>
+              </a:rPr>
+              <a:t>JS</a:t>
+            </a:r>
+            <a:r>
+              <a:rPr lang="zh-CN" altLang="en-US" dirty="0" smtClean="0">
+                <a:latin typeface="+mn-ea"/>
+                <a:ea typeface="+mn-ea"/>
+              </a:rPr>
+              <a:t>跳转</a:t>
+            </a:r>
+          </a:p>
+        </p:txBody>
+      </p:sp>
+    </p:spTree>
+    <p:extLst>
+      <p:ext uri="{BB962C8B-B14F-4D97-AF65-F5344CB8AC3E}">
+        <p14:creationId xmlns:p14="http://schemas.microsoft.com/office/powerpoint/2010/main" val="2874571459"/>
+      </p:ext>
+    </p:extLst>
+  </p:cSld>
+  <p:clrMapOvr>
+    <a:masterClrMapping/>
+  </p:clrMapOvr>
+  <p:timing>
+    <p:tnLst>
+      <p:par>
+        <p:cTn id="1" dur="indefinite" restart="never" nodeType="tmRoot">
+          <p:childTnLst>
+            <p:seq concurrent="1" nextAc="seek">
+              <p:cTn id="2" dur="indefinite" nodeType="mainSeq">
+                <p:childTnLst>
+                  <p:par>
+                    <p:cTn id="3" fill="hold">
+                      <p:stCondLst>
+                        <p:cond delay="indefinite"/>
+                      </p:stCondLst>
+                      <p:childTnLst>
+                        <p:par>
+                          <p:cTn id="4" fill="hold">
+                            <p:stCondLst>
+                              <p:cond delay="0"/>
+                            </p:stCondLst>
+                            <p:childTnLst>
+                              <p:par>
+                                <p:cTn id="5" presetID="42" presetClass="entr" presetSubtype="0" fill="hold" nodeType="clickEffect">
+                                  <p:stCondLst>
+                                    <p:cond delay="0"/>
+                                  </p:stCondLst>
+                                  <p:childTnLst>
+                                    <p:set>
+                                      <p:cBhvr>
+                                        <p:cTn id="6" dur="1" fill="hold">
+                                          <p:stCondLst>
+                                            <p:cond delay="0"/>
+                                          </p:stCondLst>
+                                        </p:cTn>
+                                        <p:tgtEl>
+                                          <p:spTgt spid="30722">
+                                            <p:txEl>
+                                              <p:pRg st="0" end="0"/>
+                                            </p:txEl>
+                                          </p:spTgt>
+                                        </p:tgtEl>
+                                        <p:attrNameLst>
+                                          <p:attrName>style.visibility</p:attrName>
+                                        </p:attrNameLst>
+                                      </p:cBhvr>
+                                      <p:to>
+                                        <p:strVal val="visible"/>
+                                      </p:to>
+                                    </p:set>
+                                    <p:animEffect transition="in" filter="fade">
+                                      <p:cBhvr>
+                                        <p:cTn id="7" dur="1000"/>
+                                        <p:tgtEl>
+                                          <p:spTgt spid="30722">
+                                            <p:txEl>
+                                              <p:pRg st="0" end="0"/>
+                                            </p:txEl>
+                                          </p:spTgt>
+                                        </p:tgtEl>
+                                      </p:cBhvr>
+                                    </p:animEffect>
+                                    <p:anim calcmode="lin" valueType="num">
+                                      <p:cBhvr>
+                                        <p:cTn id="8" dur="1000" fill="hold"/>
+                                        <p:tgtEl>
+                                          <p:spTgt spid="30722">
+                                            <p:txEl>
+                                              <p:pRg st="0" end="0"/>
+                                            </p:txEl>
+                                          </p:spTgt>
+                                        </p:tgtEl>
+                                        <p:attrNameLst>
+                                          <p:attrName>ppt_x</p:attrName>
+                                        </p:attrNameLst>
+                                      </p:cBhvr>
+                                      <p:tavLst>
+                                        <p:tav tm="0">
+                                          <p:val>
+                                            <p:strVal val="#ppt_x"/>
+                                          </p:val>
+                                        </p:tav>
+                                        <p:tav tm="100000">
+                                          <p:val>
+                                            <p:strVal val="#ppt_x"/>
+                                          </p:val>
+                                        </p:tav>
+                                      </p:tavLst>
+                                    </p:anim>
+                                    <p:anim calcmode="lin" valueType="num">
+                                      <p:cBhvr>
+                                        <p:cTn id="9" dur="1000" fill="hold"/>
+                                        <p:tgtEl>
+                                          <p:spTgt spid="30722">
+                                            <p:txEl>
+                                              <p:pRg st="0" end="0"/>
+                                            </p:txEl>
+                                          </p:spTgt>
+                                        </p:tgtEl>
+                                        <p:attrNameLst>
+                                          <p:attrName>ppt_y</p:attrName>
+                                        </p:attrNameLst>
+                                      </p:cBhvr>
+                                      <p:tavLst>
+                                        <p:tav tm="0">
+                                          <p:val>
+                                            <p:strVal val="#ppt_y+.1"/>
+                                          </p:val>
+                                        </p:tav>
+                                        <p:tav tm="100000">
+                                          <p:val>
+                                            <p:strVal val="#ppt_y"/>
+                                          </p:val>
+                                        </p:tav>
+                                      </p:tavLst>
+                                    </p:anim>
+                                  </p:childTnLst>
+                                </p:cTn>
+                              </p:par>
+                            </p:childTnLst>
+                          </p:cTn>
+                        </p:par>
+                      </p:childTnLst>
+                    </p:cTn>
+                  </p:par>
+                  <p:par>
+                    <p:cTn id="10" fill="hold">
+                      <p:stCondLst>
+                        <p:cond delay="indefinite"/>
+                      </p:stCondLst>
+                      <p:childTnLst>
+                        <p:par>
+                          <p:cTn id="11" fill="hold">
+                            <p:stCondLst>
+                              <p:cond delay="0"/>
+                            </p:stCondLst>
+                            <p:childTnLst>
+                              <p:par>
+                                <p:cTn id="12" presetID="42" presetClass="entr" presetSubtype="0" fill="hold" nodeType="clickEffect">
+                                  <p:stCondLst>
+                                    <p:cond delay="0"/>
+                                  </p:stCondLst>
+                                  <p:childTnLst>
+                                    <p:set>
+                                      <p:cBhvr>
+                                        <p:cTn id="13" dur="1" fill="hold">
+                                          <p:stCondLst>
+                                            <p:cond delay="0"/>
+                                          </p:stCondLst>
+                                        </p:cTn>
+                                        <p:tgtEl>
+                                          <p:spTgt spid="30722">
+                                            <p:txEl>
+                                              <p:pRg st="1" end="1"/>
+                                            </p:txEl>
+                                          </p:spTgt>
+                                        </p:tgtEl>
+                                        <p:attrNameLst>
+                                          <p:attrName>style.visibility</p:attrName>
+                                        </p:attrNameLst>
+                                      </p:cBhvr>
+                                      <p:to>
+                                        <p:strVal val="visible"/>
+                                      </p:to>
+                                    </p:set>
+                                    <p:animEffect transition="in" filter="fade">
+                                      <p:cBhvr>
+                                        <p:cTn id="14" dur="1000"/>
+                                        <p:tgtEl>
+                                          <p:spTgt spid="30722">
+                                            <p:txEl>
+                                              <p:pRg st="1" end="1"/>
+                                            </p:txEl>
+                                          </p:spTgt>
+                                        </p:tgtEl>
+                                      </p:cBhvr>
+                                    </p:animEffect>
+                                    <p:anim calcmode="lin" valueType="num">
+                                      <p:cBhvr>
+                                        <p:cTn id="15" dur="1000" fill="hold"/>
+                                        <p:tgtEl>
+                                          <p:spTgt spid="30722">
+                                            <p:txEl>
+                                              <p:pRg st="1" end="1"/>
+                                            </p:txEl>
+                                          </p:spTgt>
+                                        </p:tgtEl>
+                                        <p:attrNameLst>
+                                          <p:attrName>ppt_x</p:attrName>
+                                        </p:attrNameLst>
+                                      </p:cBhvr>
+                                      <p:tavLst>
+                                        <p:tav tm="0">
+                                          <p:val>
+                                            <p:strVal val="#ppt_x"/>
+                                          </p:val>
+                                        </p:tav>
+                                        <p:tav tm="100000">
+                                          <p:val>
+                                            <p:strVal val="#ppt_x"/>
+                                          </p:val>
+                                        </p:tav>
+                                      </p:tavLst>
+                                    </p:anim>
+                                    <p:anim calcmode="lin" valueType="num">
+                                      <p:cBhvr>
+                                        <p:cTn id="16" dur="1000" fill="hold"/>
+                                        <p:tgtEl>
+                                          <p:spTgt spid="30722">
+                                            <p:txEl>
+                                              <p:pRg st="1" end="1"/>
+                                            </p:txEl>
+                                          </p:spTgt>
+                                        </p:tgtEl>
+                                        <p:attrNameLst>
+                                          <p:attrName>ppt_y</p:attrName>
+                                        </p:attrNameLst>
+                                      </p:cBhvr>
+                                      <p:tavLst>
+                                        <p:tav tm="0">
+                                          <p:val>
+                                            <p:strVal val="#ppt_y+.1"/>
+                                          </p:val>
+                                        </p:tav>
+                                        <p:tav tm="100000">
+                                          <p:val>
+                                            <p:strVal val="#ppt_y"/>
+                                          </p:val>
+                                        </p:tav>
+                                      </p:tavLst>
+                                    </p:anim>
+                                  </p:childTnLst>
+                                </p:cTn>
+                              </p:par>
+                            </p:childTnLst>
+                          </p:cTn>
+                        </p:par>
+                      </p:childTnLst>
+                    </p:cTn>
+                  </p:par>
+                  <p:par>
+                    <p:cTn id="17" fill="hold">
+                      <p:stCondLst>
+                        <p:cond delay="indefinite"/>
+                      </p:stCondLst>
+                      <p:childTnLst>
+                        <p:par>
+                          <p:cTn id="18" fill="hold">
+                            <p:stCondLst>
+                              <p:cond delay="0"/>
+                            </p:stCondLst>
+                            <p:childTnLst>
+                              <p:par>
+                                <p:cTn id="19" presetID="42" presetClass="entr" presetSubtype="0" fill="hold" nodeType="clickEffect">
+                                  <p:stCondLst>
+                                    <p:cond delay="0"/>
+                                  </p:stCondLst>
+                                  <p:childTnLst>
+                                    <p:set>
+                                      <p:cBhvr>
+                                        <p:cTn id="20" dur="1" fill="hold">
+                                          <p:stCondLst>
+                                            <p:cond delay="0"/>
+                                          </p:stCondLst>
+                                        </p:cTn>
+                                        <p:tgtEl>
+                                          <p:spTgt spid="30722">
+                                            <p:txEl>
+                                              <p:pRg st="2" end="2"/>
+                                            </p:txEl>
+                                          </p:spTgt>
+                                        </p:tgtEl>
+                                        <p:attrNameLst>
+                                          <p:attrName>style.visibility</p:attrName>
+                                        </p:attrNameLst>
+                                      </p:cBhvr>
+                                      <p:to>
+                                        <p:strVal val="visible"/>
+                                      </p:to>
+                                    </p:set>
+                                    <p:animEffect transition="in" filter="fade">
+                                      <p:cBhvr>
+                                        <p:cTn id="21" dur="1000"/>
+                                        <p:tgtEl>
+                                          <p:spTgt spid="30722">
+                                            <p:txEl>
+                                              <p:pRg st="2" end="2"/>
+                                            </p:txEl>
+                                          </p:spTgt>
+                                        </p:tgtEl>
+                                      </p:cBhvr>
+                                    </p:animEffect>
+                                    <p:anim calcmode="lin" valueType="num">
+                                      <p:cBhvr>
+                                        <p:cTn id="22" dur="1000" fill="hold"/>
+                                        <p:tgtEl>
+                                          <p:spTgt spid="30722">
+                                            <p:txEl>
+                                              <p:pRg st="2" end="2"/>
+                                            </p:txEl>
+                                          </p:spTgt>
+                                        </p:tgtEl>
+                                        <p:attrNameLst>
+                                          <p:attrName>ppt_x</p:attrName>
+                                        </p:attrNameLst>
+                                      </p:cBhvr>
+                                      <p:tavLst>
+                                        <p:tav tm="0">
+                                          <p:val>
+                                            <p:strVal val="#ppt_x"/>
+                                          </p:val>
+                                        </p:tav>
+                                        <p:tav tm="100000">
+                                          <p:val>
+                                            <p:strVal val="#ppt_x"/>
+                                          </p:val>
+                                        </p:tav>
+                                      </p:tavLst>
+                                    </p:anim>
+                                    <p:anim calcmode="lin" valueType="num">
+                                      <p:cBhvr>
+                                        <p:cTn id="23" dur="1000" fill="hold"/>
+                                        <p:tgtEl>
+                                          <p:spTgt spid="30722">
+                                            <p:txEl>
+                                              <p:pRg st="2" end="2"/>
+                                            </p:txEl>
+                                          </p:spTgt>
+                                        </p:tgtEl>
+                                        <p:attrNameLst>
+                                          <p:attrName>ppt_y</p:attrName>
+                                        </p:attrNameLst>
+                                      </p:cBhvr>
+                                      <p:tavLst>
+                                        <p:tav tm="0">
+                                          <p:val>
+                                            <p:strVal val="#ppt_y+.1"/>
+                                          </p:val>
+                                        </p:tav>
+                                        <p:tav tm="100000">
+                                          <p:val>
+                                            <p:strVal val="#ppt_y"/>
+                                          </p:val>
+                                        </p:tav>
+                                      </p:tavLst>
+                                    </p:anim>
+                                  </p:childTnLst>
+                                </p:cTn>
+                              </p:par>
+                            </p:childTnLst>
+                          </p:cTn>
+                        </p:par>
+                      </p:childTnLst>
+                    </p:cTn>
+                  </p:par>
+                  <p:par>
+                    <p:cTn id="24" fill="hold">
+                      <p:stCondLst>
+                        <p:cond delay="indefinite"/>
+                      </p:stCondLst>
+                      <p:childTnLst>
+                        <p:par>
+                          <p:cTn id="25" fill="hold">
+                            <p:stCondLst>
+                              <p:cond delay="0"/>
+                            </p:stCondLst>
+                            <p:childTnLst>
+                              <p:par>
+                                <p:cTn id="26" presetID="42" presetClass="entr" presetSubtype="0" fill="hold" nodeType="clickEffect">
+                                  <p:stCondLst>
+                                    <p:cond delay="0"/>
+                                  </p:stCondLst>
+                                  <p:childTnLst>
+                                    <p:set>
+                                      <p:cBhvr>
+                                        <p:cTn id="27" dur="1" fill="hold">
+                                          <p:stCondLst>
+                                            <p:cond delay="0"/>
+                                          </p:stCondLst>
+                                        </p:cTn>
+                                        <p:tgtEl>
+                                          <p:spTgt spid="30722">
+                                            <p:txEl>
+                                              <p:pRg st="3" end="3"/>
+                                            </p:txEl>
+                                          </p:spTgt>
+                                        </p:tgtEl>
+                                        <p:attrNameLst>
+                                          <p:attrName>style.visibility</p:attrName>
+                                        </p:attrNameLst>
+                                      </p:cBhvr>
+                                      <p:to>
+                                        <p:strVal val="visible"/>
+                                      </p:to>
+                                    </p:set>
+                                    <p:animEffect transition="in" filter="fade">
+                                      <p:cBhvr>
+                                        <p:cTn id="28" dur="1000"/>
+                                        <p:tgtEl>
+                                          <p:spTgt spid="30722">
+                                            <p:txEl>
+                                              <p:pRg st="3" end="3"/>
+                                            </p:txEl>
+                                          </p:spTgt>
+                                        </p:tgtEl>
+                                      </p:cBhvr>
+                                    </p:animEffect>
+                                    <p:anim calcmode="lin" valueType="num">
+                                      <p:cBhvr>
+                                        <p:cTn id="29" dur="1000" fill="hold"/>
+                                        <p:tgtEl>
+                                          <p:spTgt spid="30722">
+                                            <p:txEl>
+                                              <p:pRg st="3" end="3"/>
+                                            </p:txEl>
+                                          </p:spTgt>
+                                        </p:tgtEl>
+                                        <p:attrNameLst>
+                                          <p:attrName>ppt_x</p:attrName>
+                                        </p:attrNameLst>
+                                      </p:cBhvr>
+                                      <p:tavLst>
+                                        <p:tav tm="0">
+                                          <p:val>
+                                            <p:strVal val="#ppt_x"/>
+                                          </p:val>
+                                        </p:tav>
+                                        <p:tav tm="100000">
+                                          <p:val>
+                                            <p:strVal val="#ppt_x"/>
+                                          </p:val>
+                                        </p:tav>
+                                      </p:tavLst>
+                                    </p:anim>
+                                    <p:anim calcmode="lin" valueType="num">
+                                      <p:cBhvr>
+                                        <p:cTn id="30" dur="1000" fill="hold"/>
+                                        <p:tgtEl>
+                                          <p:spTgt spid="30722">
+                                            <p:txEl>
+                                              <p:pRg st="3" end="3"/>
+                                            </p:txEl>
+                                          </p:spTgt>
+                                        </p:tgtEl>
+                                        <p:attrNameLst>
+                                          <p:attrName>ppt_y</p:attrName>
+                                        </p:attrNameLst>
+                                      </p:cBhvr>
+                                      <p:tavLst>
+                                        <p:tav tm="0">
+                                          <p:val>
+                                            <p:strVal val="#ppt_y+.1"/>
+                                          </p:val>
+                                        </p:tav>
+                                        <p:tav tm="100000">
+                                          <p:val>
+                                            <p:strVal val="#ppt_y"/>
+                                          </p:val>
+                                        </p:tav>
+                                      </p:tavLst>
+                                    </p:anim>
+                                  </p:childTnLst>
+                                </p:cTn>
+                              </p:par>
+                            </p:childTnLst>
+                          </p:cTn>
+                        </p:par>
+                      </p:childTnLst>
+                    </p:cTn>
+                  </p:par>
+                  <p:par>
+                    <p:cTn id="31" fill="hold">
+                      <p:stCondLst>
+                        <p:cond delay="indefinite"/>
+                      </p:stCondLst>
+                      <p:childTnLst>
+                        <p:par>
+                          <p:cTn id="32" fill="hold">
+                            <p:stCondLst>
+                              <p:cond delay="0"/>
+                            </p:stCondLst>
+                            <p:childTnLst>
+                              <p:par>
+                                <p:cTn id="33" presetID="42" presetClass="entr" presetSubtype="0" fill="hold" nodeType="clickEffect">
+                                  <p:stCondLst>
+                                    <p:cond delay="0"/>
+                                  </p:stCondLst>
+                                  <p:childTnLst>
+                                    <p:set>
+                                      <p:cBhvr>
+                                        <p:cTn id="34" dur="1" fill="hold">
+                                          <p:stCondLst>
+                                            <p:cond delay="0"/>
+                                          </p:stCondLst>
+                                        </p:cTn>
+                                        <p:tgtEl>
+                                          <p:spTgt spid="30722">
+                                            <p:txEl>
+                                              <p:pRg st="4" end="4"/>
+                                            </p:txEl>
+                                          </p:spTgt>
+                                        </p:tgtEl>
+                                        <p:attrNameLst>
+                                          <p:attrName>style.visibility</p:attrName>
+                                        </p:attrNameLst>
+                                      </p:cBhvr>
+                                      <p:to>
+                                        <p:strVal val="visible"/>
+                                      </p:to>
+                                    </p:set>
+                                    <p:animEffect transition="in" filter="fade">
+                                      <p:cBhvr>
+                                        <p:cTn id="35" dur="1000"/>
+                                        <p:tgtEl>
+                                          <p:spTgt spid="30722">
+                                            <p:txEl>
+                                              <p:pRg st="4" end="4"/>
+                                            </p:txEl>
+                                          </p:spTgt>
+                                        </p:tgtEl>
+                                      </p:cBhvr>
+                                    </p:animEffect>
+                                    <p:anim calcmode="lin" valueType="num">
+                                      <p:cBhvr>
+                                        <p:cTn id="36" dur="1000" fill="hold"/>
+                                        <p:tgtEl>
+                                          <p:spTgt spid="30722">
+                                            <p:txEl>
+                                              <p:pRg st="4" end="4"/>
+                                            </p:txEl>
+                                          </p:spTgt>
+                                        </p:tgtEl>
+                                        <p:attrNameLst>
+                                          <p:attrName>ppt_x</p:attrName>
+                                        </p:attrNameLst>
+                                      </p:cBhvr>
+                                      <p:tavLst>
+                                        <p:tav tm="0">
+                                          <p:val>
+                                            <p:strVal val="#ppt_x"/>
+                                          </p:val>
+                                        </p:tav>
+                                        <p:tav tm="100000">
+                                          <p:val>
+                                            <p:strVal val="#ppt_x"/>
+                                          </p:val>
+                                        </p:tav>
+                                      </p:tavLst>
+                                    </p:anim>
+                                    <p:anim calcmode="lin" valueType="num">
+                                      <p:cBhvr>
+                                        <p:cTn id="37" dur="1000" fill="hold"/>
+                                        <p:tgtEl>
+                                          <p:spTgt spid="30722">
+                                            <p:txEl>
+                                              <p:pRg st="4" end="4"/>
+                                            </p:txEl>
+                                          </p:spTgt>
+                                        </p:tgtEl>
+                                        <p:attrNameLst>
+                                          <p:attrName>ppt_y</p:attrName>
+                                        </p:attrNameLst>
+                                      </p:cBhvr>
+                                      <p:tavLst>
+                                        <p:tav tm="0">
+                                          <p:val>
+                                            <p:strVal val="#ppt_y+.1"/>
+                                          </p:val>
+                                        </p:tav>
+                                        <p:tav tm="100000">
+                                          <p:val>
+                                            <p:strVal val="#ppt_y"/>
+                                          </p:val>
+                                        </p:tav>
+                                      </p:tavLst>
+                                    </p:anim>
+                                  </p:childTnLst>
+                                </p:cTn>
+                              </p:par>
+                            </p:childTnLst>
+                          </p:cTn>
+                        </p:par>
+                      </p:childTnLst>
+                    </p:cTn>
+                  </p:par>
+                  <p:par>
+                    <p:cTn id="38" fill="hold">
+                      <p:stCondLst>
+                        <p:cond delay="indefinite"/>
+                      </p:stCondLst>
+                      <p:childTnLst>
+                        <p:par>
+                          <p:cTn id="39" fill="hold">
+                            <p:stCondLst>
+                              <p:cond delay="0"/>
+                            </p:stCondLst>
+                            <p:childTnLst>
+                              <p:par>
+                                <p:cTn id="40" presetID="42" presetClass="entr" presetSubtype="0" fill="hold" nodeType="clickEffect">
+                                  <p:stCondLst>
+                                    <p:cond delay="0"/>
+                                  </p:stCondLst>
+                                  <p:childTnLst>
+                                    <p:set>
+                                      <p:cBhvr>
+                                        <p:cTn id="41" dur="1" fill="hold">
+                                          <p:stCondLst>
+                                            <p:cond delay="0"/>
+                                          </p:stCondLst>
+                                        </p:cTn>
+                                        <p:tgtEl>
+                                          <p:spTgt spid="30722">
+                                            <p:txEl>
+                                              <p:pRg st="5" end="5"/>
+                                            </p:txEl>
+                                          </p:spTgt>
+                                        </p:tgtEl>
+                                        <p:attrNameLst>
+                                          <p:attrName>style.visibility</p:attrName>
+                                        </p:attrNameLst>
+                                      </p:cBhvr>
+                                      <p:to>
+                                        <p:strVal val="visible"/>
+                                      </p:to>
+                                    </p:set>
+                                    <p:animEffect transition="in" filter="fade">
+                                      <p:cBhvr>
+                                        <p:cTn id="42" dur="1000"/>
+                                        <p:tgtEl>
+                                          <p:spTgt spid="30722">
+                                            <p:txEl>
+                                              <p:pRg st="5" end="5"/>
+                                            </p:txEl>
+                                          </p:spTgt>
+                                        </p:tgtEl>
+                                      </p:cBhvr>
+                                    </p:animEffect>
+                                    <p:anim calcmode="lin" valueType="num">
+                                      <p:cBhvr>
+                                        <p:cTn id="43" dur="1000" fill="hold"/>
+                                        <p:tgtEl>
+                                          <p:spTgt spid="30722">
+                                            <p:txEl>
+                                              <p:pRg st="5" end="5"/>
+                                            </p:txEl>
+                                          </p:spTgt>
+                                        </p:tgtEl>
+                                        <p:attrNameLst>
+                                          <p:attrName>ppt_x</p:attrName>
+                                        </p:attrNameLst>
+                                      </p:cBhvr>
+                                      <p:tavLst>
+                                        <p:tav tm="0">
+                                          <p:val>
+                                            <p:strVal val="#ppt_x"/>
+                                          </p:val>
+                                        </p:tav>
+                                        <p:tav tm="100000">
+                                          <p:val>
+                                            <p:strVal val="#ppt_x"/>
+                                          </p:val>
+                                        </p:tav>
+                                      </p:tavLst>
+                                    </p:anim>
+                                    <p:anim calcmode="lin" valueType="num">
+                                      <p:cBhvr>
+                                        <p:cTn id="44" dur="1000" fill="hold"/>
+                                        <p:tgtEl>
+                                          <p:spTgt spid="30722">
+                                            <p:txEl>
+                                              <p:pRg st="5" end="5"/>
+                                            </p:txEl>
+                                          </p:spTgt>
+                                        </p:tgtEl>
+                                        <p:attrNameLst>
+                                          <p:attrName>ppt_y</p:attrName>
+                                        </p:attrNameLst>
+                                      </p:cBhvr>
+                                      <p:tavLst>
+                                        <p:tav tm="0">
+                                          <p:val>
+                                            <p:strVal val="#ppt_y+.1"/>
+                                          </p:val>
+                                        </p:tav>
+                                        <p:tav tm="100000">
+                                          <p:val>
+                                            <p:strVal val="#ppt_y"/>
+                                          </p:val>
+                                        </p:tav>
+                                      </p:tavLst>
+                                    </p:anim>
+                                  </p:childTnLst>
+                                </p:cTn>
+                              </p:par>
+                            </p:childTnLst>
+                          </p:cTn>
+                        </p:par>
+                      </p:childTnLst>
+                    </p:cTn>
+                  </p:par>
+                </p:childTnLst>
+              </p:cTn>
+              <p:prevCondLst>
+                <p:cond evt="onPrev" delay="0">
+                  <p:tgtEl>
+                    <p:sldTgt/>
+                  </p:tgtEl>
+                </p:cond>
+              </p:prevCondLst>
+              <p:nextCondLst>
+                <p:cond evt="onNext" delay="0">
+                  <p:tgtEl>
+                    <p:sldTgt/>
+                  </p:tgtEl>
+                </p:cond>
+              </p:nextCondLst>
+            </p:seq>
+          </p:childTnLst>
+        </p:cTn>
       </p:par>
     </p:tnLst>
   </p:timing>
@@ -3878,116 +4519,136 @@
           <a:p>
             <a:pPr marL="360000"/>
             <a:r>
+              <a:rPr lang="en-US" altLang="zh-CN" dirty="0" smtClean="0"/>
+              <a:t> Query </a:t>
+            </a:r>
+            <a:r>
               <a:rPr lang="zh-CN" altLang="en-US" dirty="0" smtClean="0"/>
-              <a:t> </a:t>
-            </a:r>
-            <a:r>
-              <a:rPr lang="zh-CN" altLang="en-US" dirty="0"/>
-              <a:t>父子</a:t>
-            </a:r>
-            <a:r>
-              <a:rPr lang="zh-CN" altLang="en-US" dirty="0" smtClean="0"/>
-              <a:t>路由</a:t>
+              <a:t>参数</a:t>
             </a:r>
             <a:endParaRPr lang="en-US" altLang="zh-CN" dirty="0" smtClean="0"/>
           </a:p>
           <a:p>
             <a:pPr marL="591775" lvl="1"/>
-            <a:r>
-              <a:rPr lang="en-US" altLang="zh-CN" dirty="0"/>
-              <a:t>	{ </a:t>
-            </a:r>
-            <a:r>
-              <a:rPr lang="en-US" altLang="zh-CN" dirty="0" smtClean="0"/>
-              <a:t>path : “</a:t>
-            </a:r>
-            <a:r>
-              <a:rPr lang="zh-CN" altLang="en-US" dirty="0" smtClean="0"/>
-              <a:t>路径</a:t>
-            </a:r>
-            <a:r>
-              <a:rPr lang="en-US" altLang="zh-CN" dirty="0" smtClean="0"/>
-              <a:t>”, component :“</a:t>
-            </a:r>
-            <a:r>
-              <a:rPr lang="zh-CN" altLang="en-US" dirty="0"/>
-              <a:t>组件名</a:t>
-            </a:r>
-            <a:r>
-              <a:rPr lang="en-US" altLang="zh-CN" dirty="0" smtClean="0"/>
-              <a:t>”, children :[</a:t>
-            </a:r>
-          </a:p>
-          <a:p>
-            <a:pPr marL="361587" lvl="1" indent="0">
-              <a:buNone/>
-            </a:pPr>
             <a:r>
               <a:rPr lang="en-US" altLang="zh-CN" dirty="0"/>
               <a:t> </a:t>
             </a:r>
             <a:r>
-              <a:rPr lang="en-US" altLang="zh-CN" dirty="0" smtClean="0"/>
-              <a:t>      { </a:t>
-            </a:r>
-            <a:r>
-              <a:rPr lang="en-US" altLang="zh-CN" dirty="0"/>
-              <a:t>path: </a:t>
-            </a:r>
-            <a:r>
-              <a:rPr lang="en-US" altLang="zh-CN" dirty="0" smtClean="0"/>
-              <a:t>“</a:t>
-            </a:r>
-            <a:r>
-              <a:rPr lang="zh-CN" altLang="en-US" dirty="0">
-                <a:solidFill>
-                  <a:srgbClr val="FF0000"/>
-                </a:solidFill>
-              </a:rPr>
-              <a:t>路径</a:t>
-            </a:r>
-            <a:r>
-              <a:rPr lang="en-US" altLang="zh-CN" dirty="0" smtClean="0"/>
-              <a:t>”, </a:t>
-            </a:r>
-            <a:r>
-              <a:rPr lang="en-US" altLang="zh-CN" dirty="0"/>
-              <a:t>component:“</a:t>
-            </a:r>
-            <a:r>
-              <a:rPr lang="zh-CN" altLang="en-US" dirty="0"/>
-              <a:t>组件名</a:t>
-            </a:r>
-            <a:r>
-              <a:rPr lang="en-US" altLang="zh-CN" dirty="0" smtClean="0"/>
-              <a:t>”}</a:t>
-            </a:r>
-            <a:r>
               <a:rPr lang="zh-CN" altLang="en-US" dirty="0" smtClean="0"/>
-              <a:t>，</a:t>
-            </a:r>
-            <a:r>
-              <a:rPr lang="en-US" altLang="zh-CN" dirty="0" smtClean="0"/>
-              <a:t>……</a:t>
-            </a:r>
-          </a:p>
-          <a:p>
-            <a:pPr marL="361587" lvl="1" indent="0">
-              <a:buNone/>
-            </a:pPr>
+              <a:t>传值：</a:t>
+            </a:r>
+            <a:endParaRPr lang="en-US" altLang="zh-CN" dirty="0" smtClean="0"/>
+          </a:p>
+          <a:p>
+            <a:pPr marL="593362" lvl="2"/>
             <a:r>
               <a:rPr lang="en-US" altLang="zh-CN" dirty="0"/>
               <a:t> </a:t>
             </a:r>
             <a:r>
               <a:rPr lang="en-US" altLang="zh-CN" dirty="0" smtClean="0"/>
-              <a:t>  </a:t>
+              <a:t>&lt;a [</a:t>
+            </a:r>
+            <a:r>
+              <a:rPr lang="en-US" altLang="zh-CN" dirty="0" err="1" smtClean="0"/>
+              <a:t>routerLink</a:t>
+            </a:r>
+            <a:r>
+              <a:rPr lang="en-US" altLang="zh-CN" dirty="0" smtClean="0"/>
+              <a:t>]=“[ ]” [</a:t>
+            </a:r>
+            <a:r>
+              <a:rPr lang="en-US" altLang="zh-CN" dirty="0" err="1" smtClean="0"/>
+              <a:t>queryParams</a:t>
+            </a:r>
+            <a:r>
+              <a:rPr lang="en-US" altLang="zh-CN" dirty="0" smtClean="0"/>
+              <a:t>]=“{  }”&gt;&lt;/a&gt;</a:t>
+            </a:r>
+          </a:p>
+          <a:p>
+            <a:pPr marL="593362" lvl="2"/>
+            <a:r>
+              <a:rPr lang="en-US" altLang="zh-CN" dirty="0"/>
+              <a:t> </a:t>
+            </a:r>
+            <a:r>
+              <a:rPr lang="en-US" altLang="zh-CN" dirty="0" err="1" smtClean="0"/>
+              <a:t>Router.navigate</a:t>
+            </a:r>
+            <a:r>
+              <a:rPr lang="en-US" altLang="zh-CN" dirty="0" smtClean="0"/>
+              <a:t>( [ ‘/’ </a:t>
+            </a:r>
+            <a:r>
+              <a:rPr lang="en-US" altLang="zh-CN" dirty="0" smtClean="0"/>
+              <a:t>],{ </a:t>
+            </a:r>
+            <a:r>
+              <a:rPr lang="en-US" altLang="zh-CN" dirty="0" err="1" smtClean="0"/>
+              <a:t>queryParams</a:t>
+            </a:r>
+            <a:r>
+              <a:rPr lang="en-US" altLang="zh-CN" dirty="0" smtClean="0"/>
+              <a:t>:{  </a:t>
             </a:r>
             <a:r>
               <a:rPr lang="en-US" altLang="zh-CN" smtClean="0"/>
-              <a:t>]} </a:t>
+              <a:t>} </a:t>
+            </a:r>
+            <a:r>
+              <a:rPr lang="en-US" altLang="zh-CN" smtClean="0"/>
+              <a:t>} </a:t>
+            </a:r>
+            <a:r>
+              <a:rPr lang="en-US" altLang="zh-CN" dirty="0" smtClean="0"/>
+              <a:t>);</a:t>
+            </a:r>
+          </a:p>
+          <a:p>
+            <a:pPr marL="591775" lvl="1"/>
+            <a:r>
+              <a:rPr lang="en-US" altLang="zh-CN" dirty="0" smtClean="0"/>
+              <a:t> </a:t>
+            </a:r>
+            <a:r>
+              <a:rPr lang="zh-CN" altLang="en-US" dirty="0" smtClean="0"/>
+              <a:t>接收：</a:t>
             </a:r>
             <a:endParaRPr lang="en-US" altLang="zh-CN" dirty="0" smtClean="0"/>
+          </a:p>
+          <a:p>
+            <a:pPr marL="593362" lvl="2"/>
+            <a:r>
+              <a:rPr lang="en-US" altLang="zh-CN" dirty="0"/>
+              <a:t> </a:t>
+            </a:r>
+            <a:r>
+              <a:rPr lang="en-US" altLang="zh-CN" dirty="0" err="1" smtClean="0"/>
+              <a:t>this.route.queryParams.subscribe</a:t>
+            </a:r>
+            <a:r>
+              <a:rPr lang="en-US" altLang="zh-CN" dirty="0" smtClean="0"/>
+              <a:t>( </a:t>
+            </a:r>
+            <a:r>
+              <a:rPr lang="en-US" altLang="zh-CN" dirty="0" err="1" smtClean="0"/>
+              <a:t>params</a:t>
+            </a:r>
+            <a:r>
+              <a:rPr lang="en-US" altLang="zh-CN" dirty="0" smtClean="0"/>
+              <a:t>=&gt;{  } );</a:t>
+            </a:r>
+            <a:endParaRPr lang="en-US" altLang="zh-CN" dirty="0"/>
+          </a:p>
+          <a:p>
+            <a:pPr marL="593362" lvl="2"/>
+            <a:endParaRPr lang="en-US" altLang="zh-CN" dirty="0" smtClean="0"/>
+          </a:p>
+          <a:p>
+            <a:pPr marL="593362" lvl="2"/>
+            <a:endParaRPr lang="en-US" altLang="zh-CN" sz="2200" dirty="0" smtClean="0"/>
           </a:p>
         </p:txBody>
       </p:sp>
@@ -4038,6 +4699,731 @@
               <a:defRPr/>
             </a:pPr>
             <a:r>
+              <a:rPr lang="en-US" altLang="zh-CN" dirty="0" smtClean="0">
+                <a:latin typeface="+mn-ea"/>
+                <a:ea typeface="+mn-ea"/>
+              </a:rPr>
+              <a:t>Query </a:t>
+            </a:r>
+            <a:r>
+              <a:rPr lang="zh-CN" altLang="en-US" dirty="0" smtClean="0">
+                <a:latin typeface="+mn-ea"/>
+                <a:ea typeface="+mn-ea"/>
+              </a:rPr>
+              <a:t>参数</a:t>
+            </a:r>
+          </a:p>
+        </p:txBody>
+      </p:sp>
+    </p:spTree>
+    <p:extLst>
+      <p:ext uri="{BB962C8B-B14F-4D97-AF65-F5344CB8AC3E}">
+        <p14:creationId xmlns:p14="http://schemas.microsoft.com/office/powerpoint/2010/main" val="457397609"/>
+      </p:ext>
+    </p:extLst>
+  </p:cSld>
+  <p:clrMapOvr>
+    <a:masterClrMapping/>
+  </p:clrMapOvr>
+  <p:timing>
+    <p:tnLst>
+      <p:par>
+        <p:cTn id="1" dur="indefinite" restart="never" nodeType="tmRoot"/>
+      </p:par>
+    </p:tnLst>
+  </p:timing>
+</p:sld>
+</file>
+
+<file path=ppt/slides/slide13.xml><?xml version="1.0" encoding="utf-8"?>
+<p:sld xmlns:a="http://schemas.openxmlformats.org/drawingml/2006/main" xmlns:r="http://schemas.openxmlformats.org/officeDocument/2006/relationships" xmlns:p="http://schemas.openxmlformats.org/presentationml/2006/main">
+  <p:cSld>
+    <p:spTree>
+      <p:nvGrpSpPr>
+        <p:cNvPr id="1" name=""/>
+        <p:cNvGrpSpPr/>
+        <p:nvPr/>
+      </p:nvGrpSpPr>
+      <p:grpSpPr>
+        <a:xfrm>
+          <a:off x="0" y="0"/>
+          <a:ext cx="0" cy="0"/>
+          <a:chOff x="0" y="0"/>
+          <a:chExt cx="0" cy="0"/>
+        </a:xfrm>
+      </p:grpSpPr>
+      <p:sp>
+        <p:nvSpPr>
+          <p:cNvPr id="21506" name="矩形 2"/>
+          <p:cNvSpPr>
+            <a:spLocks noChangeArrowheads="1"/>
+          </p:cNvSpPr>
+          <p:nvPr/>
+        </p:nvSpPr>
+        <p:spPr bwMode="auto">
+          <a:xfrm>
+            <a:off x="909624" y="187515"/>
+            <a:ext cx="3186523" cy="585787"/>
+          </a:xfrm>
+          <a:prstGeom prst="rect">
+            <a:avLst/>
+          </a:prstGeom>
+          <a:noFill/>
+          <a:ln>
+            <a:noFill/>
+          </a:ln>
+          <a:extLst>
+            <a:ext uri="{909E8E84-426E-40DD-AFC4-6F175D3DCCD1}">
+              <a14:hiddenFill xmlns:a14="http://schemas.microsoft.com/office/drawing/2010/main">
+                <a:solidFill>
+                  <a:srgbClr val="FFFFFF"/>
+                </a:solidFill>
+              </a14:hiddenFill>
+            </a:ext>
+            <a:ext uri="{91240B29-F687-4F45-9708-019B960494DF}">
+              <a14:hiddenLine xmlns:a14="http://schemas.microsoft.com/office/drawing/2010/main" w="9525">
+                <a:solidFill>
+                  <a:srgbClr val="000000"/>
+                </a:solidFill>
+                <a:miter lim="800000"/>
+                <a:headEnd/>
+                <a:tailEnd/>
+              </a14:hiddenLine>
+            </a:ext>
+          </a:extLst>
+        </p:spPr>
+        <p:txBody>
+          <a:bodyPr wrap="square">
+            <a:spAutoFit/>
+          </a:bodyPr>
+          <a:lstStyle>
+            <a:lvl1pPr>
+              <a:defRPr sz="3200">
+                <a:solidFill>
+                  <a:schemeClr val="tx1"/>
+                </a:solidFill>
+                <a:latin typeface="Arial" panose="020B0604020202020204" pitchFamily="34" charset="0"/>
+                <a:ea typeface="微软雅黑" panose="020B0503020204020204" pitchFamily="34" charset="-122"/>
+              </a:defRPr>
+            </a:lvl1pPr>
+            <a:lvl2pPr marL="742950" indent="-285750">
+              <a:defRPr sz="3200">
+                <a:solidFill>
+                  <a:schemeClr val="tx1"/>
+                </a:solidFill>
+                <a:latin typeface="Arial" panose="020B0604020202020204" pitchFamily="34" charset="0"/>
+                <a:ea typeface="微软雅黑" panose="020B0503020204020204" pitchFamily="34" charset="-122"/>
+              </a:defRPr>
+            </a:lvl2pPr>
+            <a:lvl3pPr marL="1143000" indent="-228600">
+              <a:defRPr sz="3200">
+                <a:solidFill>
+                  <a:schemeClr val="tx1"/>
+                </a:solidFill>
+                <a:latin typeface="Arial" panose="020B0604020202020204" pitchFamily="34" charset="0"/>
+                <a:ea typeface="微软雅黑" panose="020B0503020204020204" pitchFamily="34" charset="-122"/>
+              </a:defRPr>
+            </a:lvl3pPr>
+            <a:lvl4pPr marL="1600200" indent="-228600">
+              <a:defRPr sz="3200">
+                <a:solidFill>
+                  <a:schemeClr val="tx1"/>
+                </a:solidFill>
+                <a:latin typeface="Arial" panose="020B0604020202020204" pitchFamily="34" charset="0"/>
+                <a:ea typeface="微软雅黑" panose="020B0503020204020204" pitchFamily="34" charset="-122"/>
+              </a:defRPr>
+            </a:lvl4pPr>
+            <a:lvl5pPr marL="2057400" indent="-228600">
+              <a:defRPr sz="3200">
+                <a:solidFill>
+                  <a:schemeClr val="tx1"/>
+                </a:solidFill>
+                <a:latin typeface="Arial" panose="020B0604020202020204" pitchFamily="34" charset="0"/>
+                <a:ea typeface="微软雅黑" panose="020B0503020204020204" pitchFamily="34" charset="-122"/>
+              </a:defRPr>
+            </a:lvl5pPr>
+            <a:lvl6pPr marL="2514600" indent="-228600" eaLnBrk="0" fontAlgn="base" hangingPunct="0">
+              <a:spcBef>
+                <a:spcPct val="0"/>
+              </a:spcBef>
+              <a:spcAft>
+                <a:spcPct val="0"/>
+              </a:spcAft>
+              <a:defRPr sz="3200">
+                <a:solidFill>
+                  <a:schemeClr val="tx1"/>
+                </a:solidFill>
+                <a:latin typeface="Arial" panose="020B0604020202020204" pitchFamily="34" charset="0"/>
+                <a:ea typeface="微软雅黑" panose="020B0503020204020204" pitchFamily="34" charset="-122"/>
+              </a:defRPr>
+            </a:lvl6pPr>
+            <a:lvl7pPr marL="2971800" indent="-228600" eaLnBrk="0" fontAlgn="base" hangingPunct="0">
+              <a:spcBef>
+                <a:spcPct val="0"/>
+              </a:spcBef>
+              <a:spcAft>
+                <a:spcPct val="0"/>
+              </a:spcAft>
+              <a:defRPr sz="3200">
+                <a:solidFill>
+                  <a:schemeClr val="tx1"/>
+                </a:solidFill>
+                <a:latin typeface="Arial" panose="020B0604020202020204" pitchFamily="34" charset="0"/>
+                <a:ea typeface="微软雅黑" panose="020B0503020204020204" pitchFamily="34" charset="-122"/>
+              </a:defRPr>
+            </a:lvl7pPr>
+            <a:lvl8pPr marL="3429000" indent="-228600" eaLnBrk="0" fontAlgn="base" hangingPunct="0">
+              <a:spcBef>
+                <a:spcPct val="0"/>
+              </a:spcBef>
+              <a:spcAft>
+                <a:spcPct val="0"/>
+              </a:spcAft>
+              <a:defRPr sz="3200">
+                <a:solidFill>
+                  <a:schemeClr val="tx1"/>
+                </a:solidFill>
+                <a:latin typeface="Arial" panose="020B0604020202020204" pitchFamily="34" charset="0"/>
+                <a:ea typeface="微软雅黑" panose="020B0503020204020204" pitchFamily="34" charset="-122"/>
+              </a:defRPr>
+            </a:lvl8pPr>
+            <a:lvl9pPr marL="3886200" indent="-228600" eaLnBrk="0" fontAlgn="base" hangingPunct="0">
+              <a:spcBef>
+                <a:spcPct val="0"/>
+              </a:spcBef>
+              <a:spcAft>
+                <a:spcPct val="0"/>
+              </a:spcAft>
+              <a:defRPr sz="3200">
+                <a:solidFill>
+                  <a:schemeClr val="tx1"/>
+                </a:solidFill>
+                <a:latin typeface="Arial" panose="020B0604020202020204" pitchFamily="34" charset="0"/>
+                <a:ea typeface="微软雅黑" panose="020B0503020204020204" pitchFamily="34" charset="-122"/>
+              </a:defRPr>
+            </a:lvl9pPr>
+          </a:lstStyle>
+          <a:p>
+            <a:r>
+              <a:rPr lang="zh-CN" altLang="en-US" dirty="0" smtClean="0">
+                <a:solidFill>
+                  <a:srgbClr val="C00000"/>
+                </a:solidFill>
+                <a:latin typeface="+mj-ea"/>
+                <a:ea typeface="+mj-ea"/>
+              </a:rPr>
+              <a:t>内容提纲</a:t>
+            </a:r>
+            <a:endParaRPr lang="zh-CN" altLang="en-US" dirty="0">
+              <a:solidFill>
+                <a:srgbClr val="C00000"/>
+              </a:solidFill>
+              <a:latin typeface="+mj-ea"/>
+              <a:ea typeface="+mj-ea"/>
+            </a:endParaRPr>
+          </a:p>
+        </p:txBody>
+      </p:sp>
+      <p:sp>
+        <p:nvSpPr>
+          <p:cNvPr id="21507" name="AutoShape 6"/>
+          <p:cNvSpPr>
+            <a:spLocks noChangeArrowheads="1"/>
+          </p:cNvSpPr>
+          <p:nvPr/>
+        </p:nvSpPr>
+        <p:spPr bwMode="auto">
+          <a:xfrm>
+            <a:off x="2309813" y="1428750"/>
+            <a:ext cx="6532562" cy="3943350"/>
+          </a:xfrm>
+          <a:prstGeom prst="roundRect">
+            <a:avLst>
+              <a:gd name="adj" fmla="val 16667"/>
+            </a:avLst>
+          </a:prstGeom>
+          <a:noFill/>
+          <a:ln w="28575">
+            <a:solidFill>
+              <a:srgbClr val="C0C0C0"/>
+            </a:solidFill>
+            <a:prstDash val="sysDot"/>
+            <a:round/>
+            <a:headEnd/>
+            <a:tailEnd/>
+          </a:ln>
+          <a:extLst>
+            <a:ext uri="{909E8E84-426E-40DD-AFC4-6F175D3DCCD1}">
+              <a14:hiddenFill xmlns:a14="http://schemas.microsoft.com/office/drawing/2010/main">
+                <a:solidFill>
+                  <a:srgbClr val="FFFFFF"/>
+                </a:solidFill>
+              </a14:hiddenFill>
+            </a:ext>
+          </a:extLst>
+        </p:spPr>
+        <p:txBody>
+          <a:bodyPr wrap="none" anchor="ctr"/>
+          <a:lstStyle>
+            <a:lvl1pPr marL="457200" indent="-457200">
+              <a:defRPr sz="3200">
+                <a:solidFill>
+                  <a:schemeClr val="tx1"/>
+                </a:solidFill>
+                <a:latin typeface="Arial" panose="020B0604020202020204" pitchFamily="34" charset="0"/>
+                <a:ea typeface="微软雅黑" panose="020B0503020204020204" pitchFamily="34" charset="-122"/>
+              </a:defRPr>
+            </a:lvl1pPr>
+            <a:lvl2pPr marL="742950" indent="-285750">
+              <a:defRPr sz="3200">
+                <a:solidFill>
+                  <a:schemeClr val="tx1"/>
+                </a:solidFill>
+                <a:latin typeface="Arial" panose="020B0604020202020204" pitchFamily="34" charset="0"/>
+                <a:ea typeface="微软雅黑" panose="020B0503020204020204" pitchFamily="34" charset="-122"/>
+              </a:defRPr>
+            </a:lvl2pPr>
+            <a:lvl3pPr marL="1143000" indent="-228600">
+              <a:defRPr sz="3200">
+                <a:solidFill>
+                  <a:schemeClr val="tx1"/>
+                </a:solidFill>
+                <a:latin typeface="Arial" panose="020B0604020202020204" pitchFamily="34" charset="0"/>
+                <a:ea typeface="微软雅黑" panose="020B0503020204020204" pitchFamily="34" charset="-122"/>
+              </a:defRPr>
+            </a:lvl3pPr>
+            <a:lvl4pPr marL="1600200" indent="-228600">
+              <a:defRPr sz="3200">
+                <a:solidFill>
+                  <a:schemeClr val="tx1"/>
+                </a:solidFill>
+                <a:latin typeface="Arial" panose="020B0604020202020204" pitchFamily="34" charset="0"/>
+                <a:ea typeface="微软雅黑" panose="020B0503020204020204" pitchFamily="34" charset="-122"/>
+              </a:defRPr>
+            </a:lvl4pPr>
+            <a:lvl5pPr marL="2057400" indent="-228600">
+              <a:defRPr sz="3200">
+                <a:solidFill>
+                  <a:schemeClr val="tx1"/>
+                </a:solidFill>
+                <a:latin typeface="Arial" panose="020B0604020202020204" pitchFamily="34" charset="0"/>
+                <a:ea typeface="微软雅黑" panose="020B0503020204020204" pitchFamily="34" charset="-122"/>
+              </a:defRPr>
+            </a:lvl5pPr>
+            <a:lvl6pPr marL="2514600" indent="-228600" eaLnBrk="0" fontAlgn="base" hangingPunct="0">
+              <a:spcBef>
+                <a:spcPct val="0"/>
+              </a:spcBef>
+              <a:spcAft>
+                <a:spcPct val="0"/>
+              </a:spcAft>
+              <a:defRPr sz="3200">
+                <a:solidFill>
+                  <a:schemeClr val="tx1"/>
+                </a:solidFill>
+                <a:latin typeface="Arial" panose="020B0604020202020204" pitchFamily="34" charset="0"/>
+                <a:ea typeface="微软雅黑" panose="020B0503020204020204" pitchFamily="34" charset="-122"/>
+              </a:defRPr>
+            </a:lvl6pPr>
+            <a:lvl7pPr marL="2971800" indent="-228600" eaLnBrk="0" fontAlgn="base" hangingPunct="0">
+              <a:spcBef>
+                <a:spcPct val="0"/>
+              </a:spcBef>
+              <a:spcAft>
+                <a:spcPct val="0"/>
+              </a:spcAft>
+              <a:defRPr sz="3200">
+                <a:solidFill>
+                  <a:schemeClr val="tx1"/>
+                </a:solidFill>
+                <a:latin typeface="Arial" panose="020B0604020202020204" pitchFamily="34" charset="0"/>
+                <a:ea typeface="微软雅黑" panose="020B0503020204020204" pitchFamily="34" charset="-122"/>
+              </a:defRPr>
+            </a:lvl7pPr>
+            <a:lvl8pPr marL="3429000" indent="-228600" eaLnBrk="0" fontAlgn="base" hangingPunct="0">
+              <a:spcBef>
+                <a:spcPct val="0"/>
+              </a:spcBef>
+              <a:spcAft>
+                <a:spcPct val="0"/>
+              </a:spcAft>
+              <a:defRPr sz="3200">
+                <a:solidFill>
+                  <a:schemeClr val="tx1"/>
+                </a:solidFill>
+                <a:latin typeface="Arial" panose="020B0604020202020204" pitchFamily="34" charset="0"/>
+                <a:ea typeface="微软雅黑" panose="020B0503020204020204" pitchFamily="34" charset="-122"/>
+              </a:defRPr>
+            </a:lvl8pPr>
+            <a:lvl9pPr marL="3886200" indent="-228600" eaLnBrk="0" fontAlgn="base" hangingPunct="0">
+              <a:spcBef>
+                <a:spcPct val="0"/>
+              </a:spcBef>
+              <a:spcAft>
+                <a:spcPct val="0"/>
+              </a:spcAft>
+              <a:defRPr sz="3200">
+                <a:solidFill>
+                  <a:schemeClr val="tx1"/>
+                </a:solidFill>
+                <a:latin typeface="Arial" panose="020B0604020202020204" pitchFamily="34" charset="0"/>
+                <a:ea typeface="微软雅黑" panose="020B0503020204020204" pitchFamily="34" charset="-122"/>
+              </a:defRPr>
+            </a:lvl9pPr>
+          </a:lstStyle>
+          <a:p>
+            <a:pPr>
+              <a:lnSpc>
+                <a:spcPct val="200000"/>
+              </a:lnSpc>
+              <a:buClr>
+                <a:srgbClr val="92D050"/>
+              </a:buClr>
+              <a:buFont typeface="Wingdings" panose="05000000000000000000" pitchFamily="2" charset="2"/>
+              <a:buChar char="Ø"/>
+            </a:pPr>
+            <a:r>
+              <a:rPr lang="zh-CN" altLang="en-US" sz="2800" b="1" dirty="0" smtClean="0">
+                <a:latin typeface="+mj-ea"/>
+                <a:ea typeface="+mj-ea"/>
+              </a:rPr>
+              <a:t>路由配置</a:t>
+            </a:r>
+            <a:endParaRPr lang="en-US" altLang="zh-CN" sz="2800" b="1" dirty="0">
+              <a:latin typeface="+mj-ea"/>
+              <a:ea typeface="+mj-ea"/>
+            </a:endParaRPr>
+          </a:p>
+          <a:p>
+            <a:pPr>
+              <a:lnSpc>
+                <a:spcPct val="200000"/>
+              </a:lnSpc>
+              <a:buClr>
+                <a:srgbClr val="92D050"/>
+              </a:buClr>
+              <a:buFont typeface="Wingdings" panose="05000000000000000000" pitchFamily="2" charset="2"/>
+              <a:buChar char="Ø"/>
+            </a:pPr>
+            <a:r>
+              <a:rPr lang="zh-CN" altLang="en-US" sz="2800" b="1" dirty="0">
+                <a:latin typeface="+mj-ea"/>
+                <a:ea typeface="+mj-ea"/>
+              </a:rPr>
+              <a:t>动态路由</a:t>
+            </a:r>
+            <a:endParaRPr lang="en-US" altLang="zh-CN" sz="2800" b="1" dirty="0">
+              <a:latin typeface="+mj-ea"/>
+              <a:ea typeface="+mj-ea"/>
+            </a:endParaRPr>
+          </a:p>
+          <a:p>
+            <a:pPr>
+              <a:lnSpc>
+                <a:spcPct val="200000"/>
+              </a:lnSpc>
+              <a:buClr>
+                <a:srgbClr val="92D050"/>
+              </a:buClr>
+              <a:buFont typeface="Wingdings" panose="05000000000000000000" pitchFamily="2" charset="2"/>
+              <a:buChar char="Ø"/>
+            </a:pPr>
+            <a:r>
+              <a:rPr lang="zh-CN" altLang="en-US" sz="2800" b="1" dirty="0" smtClean="0">
+                <a:latin typeface="+mj-ea"/>
+                <a:ea typeface="+mj-ea"/>
+              </a:rPr>
+              <a:t>路由</a:t>
+            </a:r>
+            <a:r>
+              <a:rPr lang="en-US" altLang="zh-CN" sz="2800" b="1" dirty="0" smtClean="0">
+                <a:latin typeface="+mj-ea"/>
+                <a:ea typeface="+mj-ea"/>
+              </a:rPr>
+              <a:t>JS</a:t>
+            </a:r>
+            <a:r>
+              <a:rPr lang="zh-CN" altLang="en-US" sz="2800" b="1" dirty="0" smtClean="0">
+                <a:latin typeface="+mj-ea"/>
+                <a:ea typeface="+mj-ea"/>
+              </a:rPr>
+              <a:t>跳转</a:t>
+            </a:r>
+            <a:endParaRPr lang="en-US" altLang="zh-CN" sz="2800" b="1" dirty="0" smtClean="0">
+              <a:latin typeface="+mj-ea"/>
+              <a:ea typeface="+mj-ea"/>
+            </a:endParaRPr>
+          </a:p>
+          <a:p>
+            <a:pPr>
+              <a:lnSpc>
+                <a:spcPct val="200000"/>
+              </a:lnSpc>
+              <a:buClr>
+                <a:srgbClr val="92D050"/>
+              </a:buClr>
+              <a:buFont typeface="Wingdings" panose="05000000000000000000" pitchFamily="2" charset="2"/>
+              <a:buChar char="Ø"/>
+            </a:pPr>
+            <a:r>
+              <a:rPr lang="zh-CN" altLang="en-US" sz="2800" b="1" dirty="0" smtClean="0">
+                <a:solidFill>
+                  <a:srgbClr val="C00000"/>
+                </a:solidFill>
+                <a:latin typeface="+mj-ea"/>
+                <a:ea typeface="+mj-ea"/>
+              </a:rPr>
+              <a:t>父子路由</a:t>
+            </a:r>
+            <a:endParaRPr lang="en-US" altLang="zh-CN" sz="2800" b="1" dirty="0">
+              <a:solidFill>
+                <a:srgbClr val="C00000"/>
+              </a:solidFill>
+              <a:latin typeface="+mj-ea"/>
+              <a:ea typeface="+mj-ea"/>
+            </a:endParaRPr>
+          </a:p>
+        </p:txBody>
+      </p:sp>
+    </p:spTree>
+    <p:extLst>
+      <p:ext uri="{BB962C8B-B14F-4D97-AF65-F5344CB8AC3E}">
+        <p14:creationId xmlns:p14="http://schemas.microsoft.com/office/powerpoint/2010/main" val="2027227905"/>
+      </p:ext>
+    </p:extLst>
+  </p:cSld>
+  <p:clrMapOvr>
+    <a:masterClrMapping/>
+  </p:clrMapOvr>
+  <p:transition/>
+  <p:timing>
+    <p:tnLst>
+      <p:par>
+        <p:cTn id="1" dur="indefinite" restart="never" nodeType="tmRoot"/>
+      </p:par>
+    </p:tnLst>
+  </p:timing>
+</p:sld>
+</file>
+
+<file path=ppt/slides/slide14.xml><?xml version="1.0" encoding="utf-8"?>
+<p:sld xmlns:a="http://schemas.openxmlformats.org/drawingml/2006/main" xmlns:r="http://schemas.openxmlformats.org/officeDocument/2006/relationships" xmlns:p="http://schemas.openxmlformats.org/presentationml/2006/main">
+  <p:cSld>
+    <p:spTree>
+      <p:nvGrpSpPr>
+        <p:cNvPr id="1" name=""/>
+        <p:cNvGrpSpPr/>
+        <p:nvPr/>
+      </p:nvGrpSpPr>
+      <p:grpSpPr>
+        <a:xfrm>
+          <a:off x="0" y="0"/>
+          <a:ext cx="0" cy="0"/>
+          <a:chOff x="0" y="0"/>
+          <a:chExt cx="0" cy="0"/>
+        </a:xfrm>
+      </p:grpSpPr>
+      <p:sp>
+        <p:nvSpPr>
+          <p:cNvPr id="30722" name="内容占位符 3"/>
+          <p:cNvSpPr>
+            <a:spLocks noGrp="1"/>
+          </p:cNvSpPr>
+          <p:nvPr>
+            <p:ph sz="quarter" idx="10"/>
+          </p:nvPr>
+        </p:nvSpPr>
+        <p:spPr bwMode="auto">
+          <a:xfrm>
+            <a:off x="693526" y="980480"/>
+            <a:ext cx="10157038" cy="4897642"/>
+          </a:xfrm>
+          <a:solidFill>
+            <a:schemeClr val="bg1"/>
+          </a:solidFill>
+          <a:extLst/>
+        </p:spPr>
+        <p:txBody>
+          <a:bodyPr vert="horz" wrap="square" lIns="91440" tIns="45720" rIns="91440" bIns="45720" numCol="1" anchor="t" anchorCtr="0" compatLnSpc="1">
+            <a:prstTxWarp prst="textNoShape">
+              <a:avLst/>
+            </a:prstTxWarp>
+          </a:bodyPr>
+          <a:lstStyle/>
+          <a:p>
+            <a:pPr marL="360000"/>
+            <a:r>
+              <a:rPr lang="zh-CN" altLang="en-US" dirty="0" smtClean="0"/>
+              <a:t> </a:t>
+            </a:r>
+            <a:r>
+              <a:rPr lang="en-US" altLang="zh-CN" dirty="0" smtClean="0"/>
+              <a:t>Angular</a:t>
+            </a:r>
+            <a:r>
+              <a:rPr lang="zh-CN" altLang="en-US" dirty="0" smtClean="0"/>
+              <a:t>允许一个路由组件被嵌入另一个路由组件中，建立路由的多级嵌套关系 </a:t>
+            </a:r>
+            <a:endParaRPr lang="en-US" altLang="zh-CN" dirty="0" smtClean="0"/>
+          </a:p>
+          <a:p>
+            <a:pPr marL="360000"/>
+            <a:r>
+              <a:rPr lang="zh-CN" altLang="en-US" smtClean="0"/>
+              <a:t> 父子</a:t>
+            </a:r>
+            <a:r>
+              <a:rPr lang="zh-CN" altLang="en-US" dirty="0" smtClean="0"/>
+              <a:t>路由</a:t>
+            </a:r>
+            <a:endParaRPr lang="en-US" altLang="zh-CN" dirty="0" smtClean="0"/>
+          </a:p>
+          <a:p>
+            <a:pPr marL="591775" lvl="1"/>
+            <a:r>
+              <a:rPr lang="en-US" altLang="zh-CN" dirty="0" smtClean="0"/>
+              <a:t> </a:t>
+            </a:r>
+            <a:r>
+              <a:rPr lang="en-US" altLang="zh-CN" dirty="0"/>
+              <a:t>	{ </a:t>
+            </a:r>
+            <a:r>
+              <a:rPr lang="en-US" altLang="zh-CN" dirty="0" smtClean="0"/>
+              <a:t>path : “</a:t>
+            </a:r>
+            <a:r>
+              <a:rPr lang="zh-CN" altLang="en-US" dirty="0" smtClean="0"/>
+              <a:t>路径</a:t>
+            </a:r>
+            <a:r>
+              <a:rPr lang="en-US" altLang="zh-CN" dirty="0" smtClean="0"/>
+              <a:t>”, component :“</a:t>
+            </a:r>
+            <a:r>
+              <a:rPr lang="zh-CN" altLang="en-US" dirty="0"/>
+              <a:t>组件名</a:t>
+            </a:r>
+            <a:r>
+              <a:rPr lang="en-US" altLang="zh-CN" dirty="0" smtClean="0"/>
+              <a:t>”, children :[</a:t>
+            </a:r>
+          </a:p>
+          <a:p>
+            <a:pPr marL="361587" lvl="1" indent="0">
+              <a:buNone/>
+            </a:pPr>
+            <a:r>
+              <a:rPr lang="en-US" altLang="zh-CN" dirty="0"/>
+              <a:t> </a:t>
+            </a:r>
+            <a:r>
+              <a:rPr lang="en-US" altLang="zh-CN" dirty="0" smtClean="0"/>
+              <a:t>      { </a:t>
+            </a:r>
+            <a:r>
+              <a:rPr lang="en-US" altLang="zh-CN" dirty="0"/>
+              <a:t>path: </a:t>
+            </a:r>
+            <a:r>
+              <a:rPr lang="en-US" altLang="zh-CN" dirty="0" smtClean="0"/>
+              <a:t>“</a:t>
+            </a:r>
+            <a:r>
+              <a:rPr lang="zh-CN" altLang="en-US" dirty="0">
+                <a:solidFill>
+                  <a:srgbClr val="FF0000"/>
+                </a:solidFill>
+              </a:rPr>
+              <a:t>路径</a:t>
+            </a:r>
+            <a:r>
+              <a:rPr lang="en-US" altLang="zh-CN" dirty="0" smtClean="0"/>
+              <a:t>”, </a:t>
+            </a:r>
+            <a:r>
+              <a:rPr lang="en-US" altLang="zh-CN" dirty="0"/>
+              <a:t>component:“</a:t>
+            </a:r>
+            <a:r>
+              <a:rPr lang="zh-CN" altLang="en-US" dirty="0"/>
+              <a:t>组件名</a:t>
+            </a:r>
+            <a:r>
+              <a:rPr lang="en-US" altLang="zh-CN" dirty="0" smtClean="0"/>
+              <a:t>”}</a:t>
+            </a:r>
+            <a:r>
+              <a:rPr lang="zh-CN" altLang="en-US" dirty="0" smtClean="0"/>
+              <a:t>，</a:t>
+            </a:r>
+            <a:r>
+              <a:rPr lang="en-US" altLang="zh-CN" dirty="0" smtClean="0"/>
+              <a:t>……</a:t>
+            </a:r>
+          </a:p>
+          <a:p>
+            <a:pPr marL="361587" lvl="1" indent="0">
+              <a:buNone/>
+            </a:pPr>
+            <a:r>
+              <a:rPr lang="en-US" altLang="zh-CN" dirty="0"/>
+              <a:t> </a:t>
+            </a:r>
+            <a:r>
+              <a:rPr lang="en-US" altLang="zh-CN" dirty="0" smtClean="0"/>
+              <a:t>  ]} </a:t>
+            </a:r>
+          </a:p>
+        </p:txBody>
+      </p:sp>
+      <p:sp>
+        <p:nvSpPr>
+          <p:cNvPr id="25603" name="内容占位符 4"/>
+          <p:cNvSpPr>
+            <a:spLocks noGrp="1"/>
+          </p:cNvSpPr>
+          <p:nvPr>
+            <p:ph sz="quarter" idx="11"/>
+          </p:nvPr>
+        </p:nvSpPr>
+        <p:spPr bwMode="auto">
+          <a:xfrm>
+            <a:off x="909638" y="236538"/>
+            <a:ext cx="7575550" cy="490537"/>
+          </a:xfrm>
+          <a:extLst>
+            <a:ext uri="{909E8E84-426E-40DD-AFC4-6F175D3DCCD1}">
+              <a14:hiddenFill xmlns:a14="http://schemas.microsoft.com/office/drawing/2010/main">
+                <a:solidFill>
+                  <a:srgbClr val="FFFFFF"/>
+                </a:solidFill>
+              </a14:hiddenFill>
+            </a:ext>
+            <a:ext uri="{91240B29-F687-4F45-9708-019B960494DF}">
+              <a14:hiddenLine xmlns:a14="http://schemas.microsoft.com/office/drawing/2010/main" w="9525">
+                <a:solidFill>
+                  <a:srgbClr val="000000"/>
+                </a:solidFill>
+                <a:miter lim="800000"/>
+                <a:headEnd/>
+                <a:tailEnd/>
+              </a14:hiddenLine>
+            </a:ext>
+          </a:extLst>
+        </p:spPr>
+        <p:txBody>
+          <a:bodyPr vert="horz" wrap="square" lIns="91440" tIns="45720" rIns="91440" bIns="45720" numCol="1" anchor="t" anchorCtr="0" compatLnSpc="1">
+            <a:prstTxWarp prst="textNoShape">
+              <a:avLst/>
+            </a:prstTxWarp>
+          </a:bodyPr>
+          <a:lstStyle/>
+          <a:p>
+            <a:pPr>
+              <a:defRPr/>
+            </a:pPr>
+            <a:r>
               <a:rPr lang="zh-CN" altLang="en-US" dirty="0">
                 <a:latin typeface="+mn-ea"/>
                 <a:ea typeface="+mn-ea"/>
@@ -4051,10 +5437,6 @@
               </a:rPr>
               <a:t>路由</a:t>
             </a:r>
-            <a:endParaRPr lang="zh-CN" altLang="en-US" dirty="0" smtClean="0">
-              <a:latin typeface="+mn-ea"/>
-              <a:ea typeface="+mn-ea"/>
-            </a:endParaRPr>
           </a:p>
         </p:txBody>
       </p:sp>
@@ -4078,7 +5460,7 @@
 </p:sld>
 </file>
 
-<file path=ppt/slides/slide13.xml><?xml version="1.0" encoding="utf-8"?>
+<file path=ppt/slides/slide15.xml><?xml version="1.0" encoding="utf-8"?>
 <p:sld xmlns:a="http://schemas.openxmlformats.org/drawingml/2006/main" xmlns:r="http://schemas.openxmlformats.org/officeDocument/2006/relationships" xmlns:p="http://schemas.openxmlformats.org/presentationml/2006/main">
   <p:cSld>
     <p:spTree>
@@ -4788,11 +6170,7 @@
             <a:pPr marL="360000"/>
             <a:r>
               <a:rPr lang="zh-CN" altLang="en-US" dirty="0" smtClean="0"/>
-              <a:t> </a:t>
-            </a:r>
-            <a:r>
-              <a:rPr lang="zh-CN" altLang="en-US" dirty="0" smtClean="0"/>
-              <a:t>路由（</a:t>
+              <a:t> 路由（</a:t>
             </a:r>
             <a:r>
               <a:rPr lang="en-US" altLang="zh-CN" dirty="0" smtClean="0"/>
@@ -4836,11 +6214,7 @@
             <a:pPr marL="591775" lvl="1"/>
             <a:r>
               <a:rPr lang="en-US" altLang="zh-CN" dirty="0"/>
-              <a:t> </a:t>
-            </a:r>
-            <a:r>
-              <a:rPr lang="en-US" altLang="zh-CN" dirty="0"/>
-              <a:t>Angular </a:t>
+              <a:t> Angular </a:t>
             </a:r>
             <a:r>
               <a:rPr lang="zh-CN" altLang="en-US" dirty="0" smtClean="0"/>
@@ -4860,11 +6234,7 @@
             <a:pPr marL="360000"/>
             <a:r>
               <a:rPr lang="zh-CN" altLang="en-US" sz="2800" dirty="0" smtClean="0"/>
-              <a:t> </a:t>
-            </a:r>
-            <a:r>
-              <a:rPr lang="zh-CN" altLang="en-US" sz="2800" dirty="0" smtClean="0"/>
-              <a:t>路由配置</a:t>
+              <a:t> 路由配置</a:t>
             </a:r>
             <a:endParaRPr lang="en-US" altLang="zh-CN" sz="2800" dirty="0" smtClean="0"/>
           </a:p>
@@ -4922,7 +6292,6 @@
               <a:rPr lang="en-US" altLang="zh-CN" sz="2400" dirty="0" smtClean="0"/>
               <a:t> </a:t>
             </a:r>
-            <a:endParaRPr lang="en-US" altLang="zh-CN" sz="2400" dirty="0" smtClean="0"/>
           </a:p>
         </p:txBody>
       </p:sp>
@@ -4979,10 +6348,6 @@
               </a:rPr>
               <a:t>路由</a:t>
             </a:r>
-            <a:endParaRPr lang="zh-CN" altLang="en-US" dirty="0" smtClean="0">
-              <a:latin typeface="+mn-ea"/>
-              <a:ea typeface="+mn-ea"/>
-            </a:endParaRPr>
           </a:p>
         </p:txBody>
       </p:sp>
@@ -5545,10 +6910,6 @@
               </a:rPr>
               <a:t>路由</a:t>
             </a:r>
-            <a:endParaRPr lang="zh-CN" altLang="en-US" dirty="0" smtClean="0">
-              <a:latin typeface="+mn-ea"/>
-              <a:ea typeface="+mn-ea"/>
-            </a:endParaRPr>
           </a:p>
         </p:txBody>
       </p:sp>
@@ -6531,11 +7892,7 @@
             </a:r>
             <a:r>
               <a:rPr lang="en-US" altLang="zh-CN" dirty="0"/>
-              <a:t>&gt;&lt;/</a:t>
-            </a:r>
-            <a:r>
-              <a:rPr lang="en-US" altLang="zh-CN" dirty="0"/>
-              <a:t>a</a:t>
+              <a:t>&gt;&lt;/a</a:t>
             </a:r>
             <a:r>
               <a:rPr lang="en-US" altLang="zh-CN" dirty="0" smtClean="0"/>
@@ -6649,10 +8006,6 @@
               </a:rPr>
               <a:t>路由</a:t>
             </a:r>
-            <a:endParaRPr lang="zh-CN" altLang="en-US" dirty="0" smtClean="0">
-              <a:latin typeface="+mn-ea"/>
-              <a:ea typeface="+mn-ea"/>
-            </a:endParaRPr>
           </a:p>
         </p:txBody>
       </p:sp>
@@ -7677,10 +9030,6 @@
               </a:rPr>
               <a:t>路由</a:t>
             </a:r>
-            <a:endParaRPr lang="zh-CN" altLang="en-US" dirty="0" smtClean="0">
-              <a:latin typeface="+mn-ea"/>
-              <a:ea typeface="+mn-ea"/>
-            </a:endParaRPr>
           </a:p>
         </p:txBody>
       </p:sp>
@@ -9166,11 +10515,7 @@
             <a:pPr marL="360000"/>
             <a:r>
               <a:rPr lang="zh-CN" altLang="en-US" dirty="0" smtClean="0"/>
-              <a:t> </a:t>
-            </a:r>
-            <a:r>
-              <a:rPr lang="zh-CN" altLang="en-US" dirty="0" smtClean="0"/>
-              <a:t>动态路由</a:t>
+              <a:t> 动态路由</a:t>
             </a:r>
             <a:endParaRPr lang="en-US" altLang="zh-CN" dirty="0" smtClean="0"/>
           </a:p>
@@ -9207,7 +10552,7 @@
                   <a:srgbClr val="FF0000"/>
                 </a:solidFill>
               </a:rPr>
-              <a:t>home</a:t>
+              <a:t>home/</a:t>
             </a:r>
             <a:r>
               <a:rPr lang="zh-CN" altLang="en-US" dirty="0" smtClean="0">
@@ -9259,7 +10604,7 @@
             </a:r>
             <a:r>
               <a:rPr lang="zh-CN" altLang="en-US" sz="2400" dirty="0" smtClean="0"/>
-              <a:t>引入 </a:t>
+              <a:t>在获取数据的引入 </a:t>
             </a:r>
             <a:r>
               <a:rPr lang="en-US" altLang="zh-CN" dirty="0" err="1" smtClean="0"/>
@@ -9340,26 +10685,45 @@
           <a:p>
             <a:pPr marL="593362" lvl="2"/>
             <a:r>
-              <a:rPr lang="en-US" altLang="zh-CN" sz="2200" dirty="0"/>
+              <a:rPr lang="en-US" altLang="zh-CN" dirty="0" smtClean="0"/>
               <a:t> </a:t>
             </a:r>
             <a:r>
               <a:rPr lang="en-US" altLang="zh-CN" dirty="0" err="1" smtClean="0"/>
-              <a:t>this.route.params.subscribe</a:t>
-            </a:r>
-            <a:r>
-              <a:rPr lang="zh-CN" altLang="en-US" dirty="0" smtClean="0"/>
-              <a:t>（</a:t>
+              <a:t>this.route.</a:t>
+            </a:r>
+            <a:r>
+              <a:rPr lang="en-US" altLang="zh-CN" dirty="0" err="1" smtClean="0">
+                <a:solidFill>
+                  <a:srgbClr val="FF0000"/>
+                </a:solidFill>
+              </a:rPr>
+              <a:t>snapshot</a:t>
+            </a:r>
+            <a:r>
+              <a:rPr lang="en-US" altLang="zh-CN" dirty="0" err="1" smtClean="0"/>
+              <a:t>.params</a:t>
             </a:r>
             <a:r>
               <a:rPr lang="en-US" altLang="zh-CN" dirty="0" smtClean="0"/>
-              <a:t>function( data ){ }</a:t>
-            </a:r>
-            <a:r>
-              <a:rPr lang="zh-CN" altLang="en-US" dirty="0" smtClean="0"/>
-              <a:t>）</a:t>
-            </a:r>
+              <a:t>[“</a:t>
+            </a:r>
+            <a:r>
+              <a:rPr lang="en-US" altLang="zh-CN" dirty="0" err="1" smtClean="0"/>
+              <a:t>param</a:t>
+            </a:r>
+            <a:r>
+              <a:rPr lang="en-US" altLang="zh-CN" dirty="0" smtClean="0"/>
+              <a:t>”]</a:t>
+            </a:r>
+          </a:p>
+          <a:p>
+            <a:pPr marL="593362" lvl="2"/>
             <a:endParaRPr lang="en-US" altLang="zh-CN" dirty="0"/>
+          </a:p>
+          <a:p>
+            <a:pPr marL="593362" lvl="2"/>
+            <a:endParaRPr lang="en-US" altLang="zh-CN" dirty="0" smtClean="0"/>
           </a:p>
           <a:p>
             <a:pPr marL="593362" lvl="2"/>
@@ -9420,10 +10784,6 @@
               </a:rPr>
               <a:t>动态路由</a:t>
             </a:r>
-            <a:endParaRPr lang="zh-CN" altLang="en-US" dirty="0" smtClean="0">
-              <a:latin typeface="+mn-ea"/>
-              <a:ea typeface="+mn-ea"/>
-            </a:endParaRPr>
           </a:p>
         </p:txBody>
       </p:sp>
@@ -9466,24 +10826,79 @@
       </p:grpSpPr>
       <p:sp>
         <p:nvSpPr>
-          <p:cNvPr id="21506" name="矩形 2"/>
+          <p:cNvPr id="30722" name="内容占位符 3"/>
           <p:cNvSpPr>
-            <a:spLocks noChangeArrowheads="1"/>
+            <a:spLocks noGrp="1"/>
           </p:cNvSpPr>
-          <p:nvPr/>
+          <p:nvPr>
+            <p:ph sz="quarter" idx="10"/>
+          </p:nvPr>
         </p:nvSpPr>
         <p:spPr bwMode="auto">
           <a:xfrm>
-            <a:off x="909624" y="187515"/>
-            <a:ext cx="3186523" cy="585787"/>
+            <a:off x="693526" y="980480"/>
+            <a:ext cx="10157038" cy="4897642"/>
           </a:xfrm>
-          <a:prstGeom prst="rect">
-            <a:avLst/>
-          </a:prstGeom>
-          <a:noFill/>
-          <a:ln>
-            <a:noFill/>
-          </a:ln>
+          <a:solidFill>
+            <a:schemeClr val="bg1"/>
+          </a:solidFill>
+          <a:extLst/>
+        </p:spPr>
+        <p:txBody>
+          <a:bodyPr vert="horz" wrap="square" lIns="91440" tIns="45720" rIns="91440" bIns="45720" numCol="1" anchor="t" anchorCtr="0" compatLnSpc="1">
+            <a:prstTxWarp prst="textNoShape">
+              <a:avLst/>
+            </a:prstTxWarp>
+          </a:bodyPr>
+          <a:lstStyle/>
+          <a:p>
+            <a:pPr marL="360000"/>
+            <a:r>
+              <a:rPr lang="en-US" altLang="zh-CN" dirty="0" smtClean="0"/>
+              <a:t> </a:t>
+            </a:r>
+            <a:r>
+              <a:rPr lang="en-US" altLang="zh-CN" dirty="0" err="1" smtClean="0"/>
+              <a:t>this.route.params.subscribe</a:t>
+            </a:r>
+            <a:r>
+              <a:rPr lang="en-US" altLang="zh-CN" dirty="0" smtClean="0"/>
+              <a:t>( </a:t>
+            </a:r>
+            <a:r>
+              <a:rPr lang="en-US" altLang="zh-CN" dirty="0" err="1" smtClean="0"/>
+              <a:t>params</a:t>
+            </a:r>
+            <a:r>
+              <a:rPr lang="en-US" altLang="zh-CN" dirty="0" smtClean="0"/>
+              <a:t>=&gt;{  } );</a:t>
+            </a:r>
+          </a:p>
+          <a:p>
+            <a:pPr marL="593362" lvl="2"/>
+            <a:endParaRPr lang="en-US" altLang="zh-CN" dirty="0" smtClean="0"/>
+          </a:p>
+          <a:p>
+            <a:pPr marL="593362" lvl="2"/>
+            <a:endParaRPr lang="en-US" altLang="zh-CN" sz="2200" dirty="0" smtClean="0"/>
+          </a:p>
+        </p:txBody>
+      </p:sp>
+      <p:sp>
+        <p:nvSpPr>
+          <p:cNvPr id="25603" name="内容占位符 4"/>
+          <p:cNvSpPr>
+            <a:spLocks noGrp="1"/>
+          </p:cNvSpPr>
+          <p:nvPr>
+            <p:ph sz="quarter" idx="11"/>
+          </p:nvPr>
+        </p:nvSpPr>
+        <p:spPr bwMode="auto">
+          <a:xfrm>
+            <a:off x="909638" y="236538"/>
+            <a:ext cx="7575550" cy="490537"/>
+          </a:xfrm>
           <a:extLst>
             <a:ext uri="{909E8E84-426E-40DD-AFC4-6F175D3DCCD1}">
               <a14:hiddenFill xmlns:a14="http://schemas.microsoft.com/office/drawing/2010/main">
@@ -9505,415 +10920,36 @@
           </a:extLst>
         </p:spPr>
         <p:txBody>
-          <a:bodyPr wrap="square">
-            <a:spAutoFit/>
+          <a:bodyPr vert="horz" wrap="square" lIns="91440" tIns="45720" rIns="91440" bIns="45720" numCol="1" anchor="t" anchorCtr="0" compatLnSpc="1">
+            <a:prstTxWarp prst="textNoShape">
+              <a:avLst/>
+            </a:prstTxWarp>
           </a:bodyPr>
-          <a:lstStyle>
-            <a:lvl1pPr>
-              <a:defRPr sz="3200">
-                <a:solidFill>
-                  <a:schemeClr val="tx1"/>
-                </a:solidFill>
-                <a:latin typeface="Arial" panose="020B0604020202020204" pitchFamily="34" charset="0"/>
-                <a:ea typeface="微软雅黑" panose="020B0503020204020204" pitchFamily="34" charset="-122"/>
-              </a:defRPr>
-            </a:lvl1pPr>
-            <a:lvl2pPr marL="742950" indent="-285750">
-              <a:defRPr sz="3200">
-                <a:solidFill>
-                  <a:schemeClr val="tx1"/>
-                </a:solidFill>
-                <a:latin typeface="Arial" panose="020B0604020202020204" pitchFamily="34" charset="0"/>
-                <a:ea typeface="微软雅黑" panose="020B0503020204020204" pitchFamily="34" charset="-122"/>
-              </a:defRPr>
-            </a:lvl2pPr>
-            <a:lvl3pPr marL="1143000" indent="-228600">
-              <a:defRPr sz="3200">
-                <a:solidFill>
-                  <a:schemeClr val="tx1"/>
-                </a:solidFill>
-                <a:latin typeface="Arial" panose="020B0604020202020204" pitchFamily="34" charset="0"/>
-                <a:ea typeface="微软雅黑" panose="020B0503020204020204" pitchFamily="34" charset="-122"/>
-              </a:defRPr>
-            </a:lvl3pPr>
-            <a:lvl4pPr marL="1600200" indent="-228600">
-              <a:defRPr sz="3200">
-                <a:solidFill>
-                  <a:schemeClr val="tx1"/>
-                </a:solidFill>
-                <a:latin typeface="Arial" panose="020B0604020202020204" pitchFamily="34" charset="0"/>
-                <a:ea typeface="微软雅黑" panose="020B0503020204020204" pitchFamily="34" charset="-122"/>
-              </a:defRPr>
-            </a:lvl4pPr>
-            <a:lvl5pPr marL="2057400" indent="-228600">
-              <a:defRPr sz="3200">
-                <a:solidFill>
-                  <a:schemeClr val="tx1"/>
-                </a:solidFill>
-                <a:latin typeface="Arial" panose="020B0604020202020204" pitchFamily="34" charset="0"/>
-                <a:ea typeface="微软雅黑" panose="020B0503020204020204" pitchFamily="34" charset="-122"/>
-              </a:defRPr>
-            </a:lvl5pPr>
-            <a:lvl6pPr marL="2514600" indent="-228600" eaLnBrk="0" fontAlgn="base" hangingPunct="0">
-              <a:spcBef>
-                <a:spcPct val="0"/>
-              </a:spcBef>
-              <a:spcAft>
-                <a:spcPct val="0"/>
-              </a:spcAft>
-              <a:defRPr sz="3200">
-                <a:solidFill>
-                  <a:schemeClr val="tx1"/>
-                </a:solidFill>
-                <a:latin typeface="Arial" panose="020B0604020202020204" pitchFamily="34" charset="0"/>
-                <a:ea typeface="微软雅黑" panose="020B0503020204020204" pitchFamily="34" charset="-122"/>
-              </a:defRPr>
-            </a:lvl6pPr>
-            <a:lvl7pPr marL="2971800" indent="-228600" eaLnBrk="0" fontAlgn="base" hangingPunct="0">
-              <a:spcBef>
-                <a:spcPct val="0"/>
-              </a:spcBef>
-              <a:spcAft>
-                <a:spcPct val="0"/>
-              </a:spcAft>
-              <a:defRPr sz="3200">
-                <a:solidFill>
-                  <a:schemeClr val="tx1"/>
-                </a:solidFill>
-                <a:latin typeface="Arial" panose="020B0604020202020204" pitchFamily="34" charset="0"/>
-                <a:ea typeface="微软雅黑" panose="020B0503020204020204" pitchFamily="34" charset="-122"/>
-              </a:defRPr>
-            </a:lvl7pPr>
-            <a:lvl8pPr marL="3429000" indent="-228600" eaLnBrk="0" fontAlgn="base" hangingPunct="0">
-              <a:spcBef>
-                <a:spcPct val="0"/>
-              </a:spcBef>
-              <a:spcAft>
-                <a:spcPct val="0"/>
-              </a:spcAft>
-              <a:defRPr sz="3200">
-                <a:solidFill>
-                  <a:schemeClr val="tx1"/>
-                </a:solidFill>
-                <a:latin typeface="Arial" panose="020B0604020202020204" pitchFamily="34" charset="0"/>
-                <a:ea typeface="微软雅黑" panose="020B0503020204020204" pitchFamily="34" charset="-122"/>
-              </a:defRPr>
-            </a:lvl8pPr>
-            <a:lvl9pPr marL="3886200" indent="-228600" eaLnBrk="0" fontAlgn="base" hangingPunct="0">
-              <a:spcBef>
-                <a:spcPct val="0"/>
-              </a:spcBef>
-              <a:spcAft>
-                <a:spcPct val="0"/>
-              </a:spcAft>
-              <a:defRPr sz="3200">
-                <a:solidFill>
-                  <a:schemeClr val="tx1"/>
-                </a:solidFill>
-                <a:latin typeface="Arial" panose="020B0604020202020204" pitchFamily="34" charset="0"/>
-                <a:ea typeface="微软雅黑" panose="020B0503020204020204" pitchFamily="34" charset="-122"/>
-              </a:defRPr>
-            </a:lvl9pPr>
-          </a:lstStyle>
-          <a:p>
+          <a:lstStyle/>
+          <a:p>
+            <a:pPr>
+              <a:defRPr/>
+            </a:pPr>
             <a:r>
               <a:rPr lang="zh-CN" altLang="en-US" dirty="0" smtClean="0">
-                <a:solidFill>
-                  <a:srgbClr val="C00000"/>
-                </a:solidFill>
-                <a:latin typeface="+mj-ea"/>
-                <a:ea typeface="+mj-ea"/>
-              </a:rPr>
-              <a:t>内容提纲</a:t>
-            </a:r>
-            <a:endParaRPr lang="zh-CN" altLang="en-US" dirty="0">
-              <a:solidFill>
-                <a:srgbClr val="C00000"/>
-              </a:solidFill>
-              <a:latin typeface="+mj-ea"/>
-              <a:ea typeface="+mj-ea"/>
-            </a:endParaRPr>
-          </a:p>
-        </p:txBody>
-      </p:sp>
-      <p:sp>
-        <p:nvSpPr>
-          <p:cNvPr id="21507" name="AutoShape 6"/>
-          <p:cNvSpPr>
-            <a:spLocks noChangeArrowheads="1"/>
-          </p:cNvSpPr>
-          <p:nvPr/>
-        </p:nvSpPr>
-        <p:spPr bwMode="auto">
-          <a:xfrm>
-            <a:off x="2309813" y="1428750"/>
-            <a:ext cx="6532562" cy="3943350"/>
-          </a:xfrm>
-          <a:prstGeom prst="roundRect">
-            <a:avLst>
-              <a:gd name="adj" fmla="val 16667"/>
-            </a:avLst>
-          </a:prstGeom>
-          <a:noFill/>
-          <a:ln w="28575">
-            <a:solidFill>
-              <a:srgbClr val="C0C0C0"/>
-            </a:solidFill>
-            <a:prstDash val="sysDot"/>
-            <a:round/>
-            <a:headEnd/>
-            <a:tailEnd/>
-          </a:ln>
-          <a:extLst>
-            <a:ext uri="{909E8E84-426E-40DD-AFC4-6F175D3DCCD1}">
-              <a14:hiddenFill xmlns:a14="http://schemas.microsoft.com/office/drawing/2010/main">
-                <a:solidFill>
-                  <a:srgbClr val="FFFFFF"/>
-                </a:solidFill>
-              </a14:hiddenFill>
-            </a:ext>
-          </a:extLst>
-        </p:spPr>
-        <p:txBody>
-          <a:bodyPr wrap="none" anchor="ctr"/>
-          <a:lstStyle>
-            <a:lvl1pPr marL="457200" indent="-457200">
-              <a:defRPr sz="3200">
-                <a:solidFill>
-                  <a:schemeClr val="tx1"/>
-                </a:solidFill>
-                <a:latin typeface="Arial" panose="020B0604020202020204" pitchFamily="34" charset="0"/>
-                <a:ea typeface="微软雅黑" panose="020B0503020204020204" pitchFamily="34" charset="-122"/>
-              </a:defRPr>
-            </a:lvl1pPr>
-            <a:lvl2pPr marL="742950" indent="-285750">
-              <a:defRPr sz="3200">
-                <a:solidFill>
-                  <a:schemeClr val="tx1"/>
-                </a:solidFill>
-                <a:latin typeface="Arial" panose="020B0604020202020204" pitchFamily="34" charset="0"/>
-                <a:ea typeface="微软雅黑" panose="020B0503020204020204" pitchFamily="34" charset="-122"/>
-              </a:defRPr>
-            </a:lvl2pPr>
-            <a:lvl3pPr marL="1143000" indent="-228600">
-              <a:defRPr sz="3200">
-                <a:solidFill>
-                  <a:schemeClr val="tx1"/>
-                </a:solidFill>
-                <a:latin typeface="Arial" panose="020B0604020202020204" pitchFamily="34" charset="0"/>
-                <a:ea typeface="微软雅黑" panose="020B0503020204020204" pitchFamily="34" charset="-122"/>
-              </a:defRPr>
-            </a:lvl3pPr>
-            <a:lvl4pPr marL="1600200" indent="-228600">
-              <a:defRPr sz="3200">
-                <a:solidFill>
-                  <a:schemeClr val="tx1"/>
-                </a:solidFill>
-                <a:latin typeface="Arial" panose="020B0604020202020204" pitchFamily="34" charset="0"/>
-                <a:ea typeface="微软雅黑" panose="020B0503020204020204" pitchFamily="34" charset="-122"/>
-              </a:defRPr>
-            </a:lvl4pPr>
-            <a:lvl5pPr marL="2057400" indent="-228600">
-              <a:defRPr sz="3200">
-                <a:solidFill>
-                  <a:schemeClr val="tx1"/>
-                </a:solidFill>
-                <a:latin typeface="Arial" panose="020B0604020202020204" pitchFamily="34" charset="0"/>
-                <a:ea typeface="微软雅黑" panose="020B0503020204020204" pitchFamily="34" charset="-122"/>
-              </a:defRPr>
-            </a:lvl5pPr>
-            <a:lvl6pPr marL="2514600" indent="-228600" eaLnBrk="0" fontAlgn="base" hangingPunct="0">
-              <a:spcBef>
-                <a:spcPct val="0"/>
-              </a:spcBef>
-              <a:spcAft>
-                <a:spcPct val="0"/>
-              </a:spcAft>
-              <a:defRPr sz="3200">
-                <a:solidFill>
-                  <a:schemeClr val="tx1"/>
-                </a:solidFill>
-                <a:latin typeface="Arial" panose="020B0604020202020204" pitchFamily="34" charset="0"/>
-                <a:ea typeface="微软雅黑" panose="020B0503020204020204" pitchFamily="34" charset="-122"/>
-              </a:defRPr>
-            </a:lvl6pPr>
-            <a:lvl7pPr marL="2971800" indent="-228600" eaLnBrk="0" fontAlgn="base" hangingPunct="0">
-              <a:spcBef>
-                <a:spcPct val="0"/>
-              </a:spcBef>
-              <a:spcAft>
-                <a:spcPct val="0"/>
-              </a:spcAft>
-              <a:defRPr sz="3200">
-                <a:solidFill>
-                  <a:schemeClr val="tx1"/>
-                </a:solidFill>
-                <a:latin typeface="Arial" panose="020B0604020202020204" pitchFamily="34" charset="0"/>
-                <a:ea typeface="微软雅黑" panose="020B0503020204020204" pitchFamily="34" charset="-122"/>
-              </a:defRPr>
-            </a:lvl7pPr>
-            <a:lvl8pPr marL="3429000" indent="-228600" eaLnBrk="0" fontAlgn="base" hangingPunct="0">
-              <a:spcBef>
-                <a:spcPct val="0"/>
-              </a:spcBef>
-              <a:spcAft>
-                <a:spcPct val="0"/>
-              </a:spcAft>
-              <a:defRPr sz="3200">
-                <a:solidFill>
-                  <a:schemeClr val="tx1"/>
-                </a:solidFill>
-                <a:latin typeface="Arial" panose="020B0604020202020204" pitchFamily="34" charset="0"/>
-                <a:ea typeface="微软雅黑" panose="020B0503020204020204" pitchFamily="34" charset="-122"/>
-              </a:defRPr>
-            </a:lvl8pPr>
-            <a:lvl9pPr marL="3886200" indent="-228600" eaLnBrk="0" fontAlgn="base" hangingPunct="0">
-              <a:spcBef>
-                <a:spcPct val="0"/>
-              </a:spcBef>
-              <a:spcAft>
-                <a:spcPct val="0"/>
-              </a:spcAft>
-              <a:defRPr sz="3200">
-                <a:solidFill>
-                  <a:schemeClr val="tx1"/>
-                </a:solidFill>
-                <a:latin typeface="Arial" panose="020B0604020202020204" pitchFamily="34" charset="0"/>
-                <a:ea typeface="微软雅黑" panose="020B0503020204020204" pitchFamily="34" charset="-122"/>
-              </a:defRPr>
-            </a:lvl9pPr>
-          </a:lstStyle>
-          <a:p>
-            <a:pPr>
-              <a:lnSpc>
-                <a:spcPct val="200000"/>
-              </a:lnSpc>
-              <a:buClr>
-                <a:srgbClr val="92D050"/>
-              </a:buClr>
-              <a:buFont typeface="Wingdings" panose="05000000000000000000" pitchFamily="2" charset="2"/>
-              <a:buChar char="Ø"/>
-            </a:pPr>
-            <a:r>
-              <a:rPr lang="zh-CN" altLang="en-US" sz="2800" b="1" dirty="0" smtClean="0">
-                <a:latin typeface="+mj-ea"/>
-                <a:ea typeface="+mj-ea"/>
-              </a:rPr>
-              <a:t>路由配置</a:t>
-            </a:r>
-            <a:endParaRPr lang="en-US" altLang="zh-CN" sz="2800" b="1" dirty="0">
-              <a:latin typeface="+mj-ea"/>
-              <a:ea typeface="+mj-ea"/>
-            </a:endParaRPr>
-          </a:p>
-          <a:p>
-            <a:pPr>
-              <a:lnSpc>
-                <a:spcPct val="200000"/>
-              </a:lnSpc>
-              <a:buClr>
-                <a:srgbClr val="92D050"/>
-              </a:buClr>
-              <a:buFont typeface="Wingdings" panose="05000000000000000000" pitchFamily="2" charset="2"/>
-              <a:buChar char="Ø"/>
-            </a:pPr>
-            <a:r>
-              <a:rPr lang="zh-CN" altLang="en-US" sz="2800" b="1" dirty="0">
-                <a:latin typeface="+mj-ea"/>
-                <a:ea typeface="+mj-ea"/>
+                <a:latin typeface="+mn-ea"/>
+                <a:ea typeface="+mn-ea"/>
               </a:rPr>
               <a:t>动态路由</a:t>
             </a:r>
-            <a:endParaRPr lang="en-US" altLang="zh-CN" sz="2800" b="1" dirty="0">
-              <a:latin typeface="+mj-ea"/>
-              <a:ea typeface="+mj-ea"/>
-            </a:endParaRPr>
-          </a:p>
-          <a:p>
-            <a:pPr>
-              <a:lnSpc>
-                <a:spcPct val="200000"/>
-              </a:lnSpc>
-              <a:buClr>
-                <a:srgbClr val="92D050"/>
-              </a:buClr>
-              <a:buFont typeface="Wingdings" panose="05000000000000000000" pitchFamily="2" charset="2"/>
-              <a:buChar char="Ø"/>
-            </a:pPr>
-            <a:r>
-              <a:rPr lang="zh-CN" altLang="en-US" sz="2800" b="1" dirty="0" smtClean="0">
-                <a:solidFill>
-                  <a:srgbClr val="C00000"/>
-                </a:solidFill>
-                <a:latin typeface="+mj-ea"/>
-                <a:ea typeface="+mj-ea"/>
-              </a:rPr>
-              <a:t>路由</a:t>
-            </a:r>
-            <a:r>
-              <a:rPr lang="en-US" altLang="zh-CN" sz="2800" b="1" dirty="0" smtClean="0">
-                <a:solidFill>
-                  <a:srgbClr val="C00000"/>
-                </a:solidFill>
-                <a:latin typeface="+mj-ea"/>
-                <a:ea typeface="+mj-ea"/>
-              </a:rPr>
-              <a:t>JS</a:t>
-            </a:r>
-            <a:r>
-              <a:rPr lang="zh-CN" altLang="en-US" sz="2800" b="1" dirty="0" smtClean="0">
-                <a:solidFill>
-                  <a:srgbClr val="C00000"/>
-                </a:solidFill>
-                <a:latin typeface="+mj-ea"/>
-                <a:ea typeface="+mj-ea"/>
-              </a:rPr>
-              <a:t>跳转</a:t>
-            </a:r>
-            <a:endParaRPr lang="en-US" altLang="zh-CN" sz="2800" b="1" dirty="0" smtClean="0">
-              <a:solidFill>
-                <a:srgbClr val="C00000"/>
-              </a:solidFill>
-              <a:latin typeface="+mj-ea"/>
-              <a:ea typeface="+mj-ea"/>
-            </a:endParaRPr>
-          </a:p>
-          <a:p>
-            <a:pPr>
-              <a:lnSpc>
-                <a:spcPct val="200000"/>
-              </a:lnSpc>
-              <a:buClr>
-                <a:srgbClr val="92D050"/>
-              </a:buClr>
-              <a:buFont typeface="Wingdings" panose="05000000000000000000" pitchFamily="2" charset="2"/>
-              <a:buChar char="Ø"/>
-            </a:pPr>
-            <a:r>
-              <a:rPr lang="zh-CN" altLang="en-US" sz="2800" b="1" dirty="0" smtClean="0">
-                <a:latin typeface="+mj-ea"/>
-                <a:ea typeface="+mj-ea"/>
-              </a:rPr>
-              <a:t>父子路由</a:t>
-            </a:r>
-            <a:endParaRPr lang="en-US" altLang="zh-CN" sz="2800" b="1" dirty="0">
-              <a:latin typeface="+mj-ea"/>
-              <a:ea typeface="+mj-ea"/>
-            </a:endParaRPr>
           </a:p>
         </p:txBody>
       </p:sp>
     </p:spTree>
     <p:extLst>
       <p:ext uri="{BB962C8B-B14F-4D97-AF65-F5344CB8AC3E}">
-        <p14:creationId xmlns:p14="http://schemas.microsoft.com/office/powerpoint/2010/main" val="2432549178"/>
+        <p14:creationId xmlns:p14="http://schemas.microsoft.com/office/powerpoint/2010/main" val="1302432456"/>
       </p:ext>
     </p:extLst>
   </p:cSld>
   <p:clrMapOvr>
     <a:masterClrMapping/>
   </p:clrMapOvr>
-  <p:transition/>
   <p:timing>
     <p:tnLst>
       <p:par>
